--- a/Learning Phase/Week 4/Day 16/1. Node.js/Slides/5. Modules and Concurrency/modules-and-concurrency-slides.pptx
+++ b/Learning Phase/Week 4/Day 16/1. Node.js/Slides/5. Modules and Concurrency/modules-and-concurrency-slides.pptx
@@ -5,35 +5,145 @@
     <p:sldMasterId id="2147483648" r:id="rId1"/>
   </p:sldMasterIdLst>
   <p:sldIdLst>
-    <p:sldId id="256" r:id="rId6"/>
-    <p:sldId id="257" r:id="rId7"/>
-    <p:sldId id="258" r:id="rId8"/>
-    <p:sldId id="259" r:id="rId9"/>
-    <p:sldId id="260" r:id="rId10"/>
-    <p:sldId id="261" r:id="rId11"/>
-    <p:sldId id="262" r:id="rId12"/>
-    <p:sldId id="263" r:id="rId13"/>
-    <p:sldId id="264" r:id="rId14"/>
-    <p:sldId id="265" r:id="rId15"/>
-    <p:sldId id="266" r:id="rId16"/>
-    <p:sldId id="267" r:id="rId17"/>
-    <p:sldId id="268" r:id="rId18"/>
-    <p:sldId id="269" r:id="rId19"/>
-    <p:sldId id="270" r:id="rId20"/>
-    <p:sldId id="271" r:id="rId21"/>
-    <p:sldId id="272" r:id="rId22"/>
-    <p:sldId id="273" r:id="rId23"/>
-    <p:sldId id="274" r:id="rId24"/>
-    <p:sldId id="275" r:id="rId25"/>
-    <p:sldId id="276" r:id="rId26"/>
+    <p:sldId id="256" r:id="rId2"/>
+    <p:sldId id="257" r:id="rId3"/>
+    <p:sldId id="258" r:id="rId4"/>
+    <p:sldId id="259" r:id="rId5"/>
+    <p:sldId id="260" r:id="rId6"/>
+    <p:sldId id="261" r:id="rId7"/>
+    <p:sldId id="262" r:id="rId8"/>
+    <p:sldId id="263" r:id="rId9"/>
+    <p:sldId id="264" r:id="rId10"/>
+    <p:sldId id="265" r:id="rId11"/>
+    <p:sldId id="266" r:id="rId12"/>
+    <p:sldId id="267" r:id="rId13"/>
+    <p:sldId id="268" r:id="rId14"/>
+    <p:sldId id="269" r:id="rId15"/>
+    <p:sldId id="271" r:id="rId16"/>
+    <p:sldId id="272" r:id="rId17"/>
+    <p:sldId id="273" r:id="rId18"/>
+    <p:sldId id="274" r:id="rId19"/>
+    <p:sldId id="275" r:id="rId20"/>
+    <p:sldId id="276" r:id="rId21"/>
   </p:sldIdLst>
   <p:sldSz cx="12192000" cy="12192000"/>
   <p:notesSz cx="12192000" cy="12192000"/>
+  <p:defaultTextStyle>
+    <a:defPPr>
+      <a:defRPr lang="en-US"/>
+    </a:defPPr>
+    <a:lvl1pPr marL="0" algn="l" defTabSz="914400" rtl="0" eaLnBrk="1" latinLnBrk="0" hangingPunct="1">
+      <a:defRPr sz="1800" kern="1200">
+        <a:solidFill>
+          <a:schemeClr val="tx1"/>
+        </a:solidFill>
+        <a:latin typeface="+mn-lt"/>
+        <a:ea typeface="+mn-ea"/>
+        <a:cs typeface="+mn-cs"/>
+      </a:defRPr>
+    </a:lvl1pPr>
+    <a:lvl2pPr marL="457200" algn="l" defTabSz="914400" rtl="0" eaLnBrk="1" latinLnBrk="0" hangingPunct="1">
+      <a:defRPr sz="1800" kern="1200">
+        <a:solidFill>
+          <a:schemeClr val="tx1"/>
+        </a:solidFill>
+        <a:latin typeface="+mn-lt"/>
+        <a:ea typeface="+mn-ea"/>
+        <a:cs typeface="+mn-cs"/>
+      </a:defRPr>
+    </a:lvl2pPr>
+    <a:lvl3pPr marL="914400" algn="l" defTabSz="914400" rtl="0" eaLnBrk="1" latinLnBrk="0" hangingPunct="1">
+      <a:defRPr sz="1800" kern="1200">
+        <a:solidFill>
+          <a:schemeClr val="tx1"/>
+        </a:solidFill>
+        <a:latin typeface="+mn-lt"/>
+        <a:ea typeface="+mn-ea"/>
+        <a:cs typeface="+mn-cs"/>
+      </a:defRPr>
+    </a:lvl3pPr>
+    <a:lvl4pPr marL="1371600" algn="l" defTabSz="914400" rtl="0" eaLnBrk="1" latinLnBrk="0" hangingPunct="1">
+      <a:defRPr sz="1800" kern="1200">
+        <a:solidFill>
+          <a:schemeClr val="tx1"/>
+        </a:solidFill>
+        <a:latin typeface="+mn-lt"/>
+        <a:ea typeface="+mn-ea"/>
+        <a:cs typeface="+mn-cs"/>
+      </a:defRPr>
+    </a:lvl4pPr>
+    <a:lvl5pPr marL="1828800" algn="l" defTabSz="914400" rtl="0" eaLnBrk="1" latinLnBrk="0" hangingPunct="1">
+      <a:defRPr sz="1800" kern="1200">
+        <a:solidFill>
+          <a:schemeClr val="tx1"/>
+        </a:solidFill>
+        <a:latin typeface="+mn-lt"/>
+        <a:ea typeface="+mn-ea"/>
+        <a:cs typeface="+mn-cs"/>
+      </a:defRPr>
+    </a:lvl5pPr>
+    <a:lvl6pPr marL="2286000" algn="l" defTabSz="914400" rtl="0" eaLnBrk="1" latinLnBrk="0" hangingPunct="1">
+      <a:defRPr sz="1800" kern="1200">
+        <a:solidFill>
+          <a:schemeClr val="tx1"/>
+        </a:solidFill>
+        <a:latin typeface="+mn-lt"/>
+        <a:ea typeface="+mn-ea"/>
+        <a:cs typeface="+mn-cs"/>
+      </a:defRPr>
+    </a:lvl6pPr>
+    <a:lvl7pPr marL="2743200" algn="l" defTabSz="914400" rtl="0" eaLnBrk="1" latinLnBrk="0" hangingPunct="1">
+      <a:defRPr sz="1800" kern="1200">
+        <a:solidFill>
+          <a:schemeClr val="tx1"/>
+        </a:solidFill>
+        <a:latin typeface="+mn-lt"/>
+        <a:ea typeface="+mn-ea"/>
+        <a:cs typeface="+mn-cs"/>
+      </a:defRPr>
+    </a:lvl7pPr>
+    <a:lvl8pPr marL="3200400" algn="l" defTabSz="914400" rtl="0" eaLnBrk="1" latinLnBrk="0" hangingPunct="1">
+      <a:defRPr sz="1800" kern="1200">
+        <a:solidFill>
+          <a:schemeClr val="tx1"/>
+        </a:solidFill>
+        <a:latin typeface="+mn-lt"/>
+        <a:ea typeface="+mn-ea"/>
+        <a:cs typeface="+mn-cs"/>
+      </a:defRPr>
+    </a:lvl8pPr>
+    <a:lvl9pPr marL="3657600" algn="l" defTabSz="914400" rtl="0" eaLnBrk="1" latinLnBrk="0" hangingPunct="1">
+      <a:defRPr sz="1800" kern="1200">
+        <a:solidFill>
+          <a:schemeClr val="tx1"/>
+        </a:solidFill>
+        <a:latin typeface="+mn-lt"/>
+        <a:ea typeface="+mn-ea"/>
+        <a:cs typeface="+mn-cs"/>
+      </a:defRPr>
+    </a:lvl9pPr>
+  </p:defaultTextStyle>
+  <p:extLst>
+    <p:ext uri="{EFAFB233-063F-42B5-8137-9DF3F51BA10A}">
+      <p15:sldGuideLst xmlns:p15="http://schemas.microsoft.com/office/powerpoint/2012/main">
+        <p15:guide id="1" orient="horz" pos="2880">
+          <p15:clr>
+            <a:srgbClr val="A4A3A4"/>
+          </p15:clr>
+        </p15:guide>
+        <p15:guide id="2" pos="2160">
+          <p15:clr>
+            <a:srgbClr val="A4A3A4"/>
+          </p15:clr>
+        </p15:guide>
+      </p15:sldGuideLst>
+    </p:ext>
+  </p:extLst>
 </p:presentation>
 </file>
 
 <file path=ppt/slideLayouts/slideLayout1.xml><?xml version="1.0" encoding="utf-8"?>
-<p:sldLayout xmlns:a="http://schemas.openxmlformats.org/drawingml/2006/main" xmlns:r="http://schemas.openxmlformats.org/officeDocument/2006/relationships" xmlns:p="http://schemas.openxmlformats.org/presentationml/2006/main" preserve="1" type="obj">
+<p:sldLayout xmlns:a="http://schemas.openxmlformats.org/drawingml/2006/main" xmlns:r="http://schemas.openxmlformats.org/officeDocument/2006/relationships" xmlns:p="http://schemas.openxmlformats.org/presentationml/2006/main" type="obj" preserve="1">
   <p:cSld name="Title Slide">
     <p:spTree>
       <p:nvGrpSpPr>
@@ -81,7 +191,9 @@
               </a:defRPr>
             </a:lvl1pPr>
           </a:lstStyle>
-          <a:p/>
+          <a:p>
+            <a:endParaRPr/>
+          </a:p>
         </p:txBody>
       </p:sp>
       <p:sp>
@@ -112,7 +224,9 @@
               <a:defRPr/>
             </a:lvl1pPr>
           </a:lstStyle>
-          <a:p/>
+          <a:p>
+            <a:endParaRPr/>
+          </a:p>
         </p:txBody>
       </p:sp>
       <p:sp>
@@ -122,7 +236,7 @@
             <a:spLocks noGrp="1"/>
           </p:cNvSpPr>
           <p:nvPr>
-            <p:ph type="ftr" idx="5" sz="quarter"/>
+            <p:ph type="ftr" sz="quarter" idx="5"/>
           </p:nvPr>
         </p:nvSpPr>
         <p:spPr/>
@@ -139,7 +253,9 @@
               </a:defRPr>
             </a:lvl1pPr>
           </a:lstStyle>
-          <a:p/>
+          <a:p>
+            <a:endParaRPr/>
+          </a:p>
         </p:txBody>
       </p:sp>
       <p:sp>
@@ -149,7 +265,7 @@
             <a:spLocks noGrp="1"/>
           </p:cNvSpPr>
           <p:nvPr>
-            <p:ph type="dt" idx="6" sz="half"/>
+            <p:ph type="dt" sz="half" idx="6"/>
           </p:nvPr>
         </p:nvSpPr>
         <p:spPr/>
@@ -169,7 +285,9 @@
           <a:p>
             <a:fld id="{1D8BD707-D9CF-40AE-B4C6-C98DA3205C09}" type="datetimeFigureOut">
               <a:rPr lang="en-US"/>
+              <a:t>12/19/2024</a:t>
             </a:fld>
+            <a:endParaRPr lang="en-US"/>
           </a:p>
         </p:txBody>
       </p:sp>
@@ -180,7 +298,7 @@
             <a:spLocks noGrp="1"/>
           </p:cNvSpPr>
           <p:nvPr>
-            <p:ph type="sldNum" idx="7" sz="quarter"/>
+            <p:ph type="sldNum" sz="quarter" idx="7"/>
           </p:nvPr>
         </p:nvSpPr>
         <p:spPr/>
@@ -199,8 +317,9 @@
           </a:lstStyle>
           <a:p>
             <a:fld id="{B6F15528-21DE-4FAA-801E-634DDDAF4B2B}" type="slidenum">
-              <a:t>#</a:t>
+              <a:t>‹#›</a:t>
             </a:fld>
+            <a:endParaRPr/>
           </a:p>
         </p:txBody>
       </p:sp>
@@ -213,7 +332,7 @@
 </file>
 
 <file path=ppt/slideLayouts/slideLayout2.xml><?xml version="1.0" encoding="utf-8"?>
-<p:sldLayout xmlns:a="http://schemas.openxmlformats.org/drawingml/2006/main" xmlns:r="http://schemas.openxmlformats.org/officeDocument/2006/relationships" xmlns:p="http://schemas.openxmlformats.org/presentationml/2006/main" preserve="1" type="obj">
+<p:sldLayout xmlns:a="http://schemas.openxmlformats.org/drawingml/2006/main" xmlns:r="http://schemas.openxmlformats.org/officeDocument/2006/relationships" xmlns:p="http://schemas.openxmlformats.org/presentationml/2006/main" type="obj" preserve="1">
   <p:cSld name="Title and Content">
     <p:spTree>
       <p:nvGrpSpPr>
@@ -253,7 +372,9 @@
               </a:defRPr>
             </a:lvl1pPr>
           </a:lstStyle>
-          <a:p/>
+          <a:p>
+            <a:endParaRPr/>
+          </a:p>
         </p:txBody>
       </p:sp>
       <p:sp>
@@ -278,7 +399,9 @@
               </a:defRPr>
             </a:lvl1pPr>
           </a:lstStyle>
-          <a:p/>
+          <a:p>
+            <a:endParaRPr/>
+          </a:p>
         </p:txBody>
       </p:sp>
       <p:sp>
@@ -288,7 +411,7 @@
             <a:spLocks noGrp="1"/>
           </p:cNvSpPr>
           <p:nvPr>
-            <p:ph type="ftr" idx="5" sz="quarter"/>
+            <p:ph type="ftr" sz="quarter" idx="5"/>
           </p:nvPr>
         </p:nvSpPr>
         <p:spPr/>
@@ -305,7 +428,9 @@
               </a:defRPr>
             </a:lvl1pPr>
           </a:lstStyle>
-          <a:p/>
+          <a:p>
+            <a:endParaRPr/>
+          </a:p>
         </p:txBody>
       </p:sp>
       <p:sp>
@@ -315,7 +440,7 @@
             <a:spLocks noGrp="1"/>
           </p:cNvSpPr>
           <p:nvPr>
-            <p:ph type="dt" idx="6" sz="half"/>
+            <p:ph type="dt" sz="half" idx="6"/>
           </p:nvPr>
         </p:nvSpPr>
         <p:spPr/>
@@ -335,7 +460,9 @@
           <a:p>
             <a:fld id="{1D8BD707-D9CF-40AE-B4C6-C98DA3205C09}" type="datetimeFigureOut">
               <a:rPr lang="en-US"/>
+              <a:t>12/19/2024</a:t>
             </a:fld>
+            <a:endParaRPr lang="en-US"/>
           </a:p>
         </p:txBody>
       </p:sp>
@@ -346,7 +473,7 @@
             <a:spLocks noGrp="1"/>
           </p:cNvSpPr>
           <p:nvPr>
-            <p:ph type="sldNum" idx="7" sz="quarter"/>
+            <p:ph type="sldNum" sz="quarter" idx="7"/>
           </p:nvPr>
         </p:nvSpPr>
         <p:spPr/>
@@ -365,8 +492,9 @@
           </a:lstStyle>
           <a:p>
             <a:fld id="{B6F15528-21DE-4FAA-801E-634DDDAF4B2B}" type="slidenum">
-              <a:t>#</a:t>
+              <a:t>‹#›</a:t>
             </a:fld>
+            <a:endParaRPr/>
           </a:p>
         </p:txBody>
       </p:sp>
@@ -379,7 +507,7 @@
 </file>
 
 <file path=ppt/slideLayouts/slideLayout3.xml><?xml version="1.0" encoding="utf-8"?>
-<p:sldLayout xmlns:a="http://schemas.openxmlformats.org/drawingml/2006/main" xmlns:r="http://schemas.openxmlformats.org/officeDocument/2006/relationships" xmlns:p="http://schemas.openxmlformats.org/presentationml/2006/main" preserve="1" type="obj">
+<p:sldLayout xmlns:a="http://schemas.openxmlformats.org/drawingml/2006/main" xmlns:r="http://schemas.openxmlformats.org/officeDocument/2006/relationships" xmlns:p="http://schemas.openxmlformats.org/presentationml/2006/main" type="obj" preserve="1">
   <p:cSld name="Two Content">
     <p:spTree>
       <p:nvGrpSpPr>
@@ -419,7 +547,9 @@
               </a:defRPr>
             </a:lvl1pPr>
           </a:lstStyle>
-          <a:p/>
+          <a:p>
+            <a:endParaRPr/>
+          </a:p>
         </p:txBody>
       </p:sp>
       <p:sp>
@@ -429,7 +559,7 @@
             <a:spLocks noGrp="1"/>
           </p:cNvSpPr>
           <p:nvPr>
-            <p:ph idx="2" sz="half"/>
+            <p:ph sz="half" idx="2"/>
           </p:nvPr>
         </p:nvSpPr>
         <p:spPr>
@@ -450,7 +580,9 @@
               <a:defRPr/>
             </a:lvl1pPr>
           </a:lstStyle>
-          <a:p/>
+          <a:p>
+            <a:endParaRPr/>
+          </a:p>
         </p:txBody>
       </p:sp>
       <p:sp>
@@ -460,7 +592,7 @@
             <a:spLocks noGrp="1"/>
           </p:cNvSpPr>
           <p:nvPr>
-            <p:ph idx="3" sz="half"/>
+            <p:ph sz="half" idx="3"/>
           </p:nvPr>
         </p:nvSpPr>
         <p:spPr>
@@ -481,7 +613,9 @@
               <a:defRPr/>
             </a:lvl1pPr>
           </a:lstStyle>
-          <a:p/>
+          <a:p>
+            <a:endParaRPr/>
+          </a:p>
         </p:txBody>
       </p:sp>
       <p:sp>
@@ -491,7 +625,7 @@
             <a:spLocks noGrp="1"/>
           </p:cNvSpPr>
           <p:nvPr>
-            <p:ph type="ftr" idx="5" sz="quarter"/>
+            <p:ph type="ftr" sz="quarter" idx="5"/>
           </p:nvPr>
         </p:nvSpPr>
         <p:spPr/>
@@ -508,7 +642,9 @@
               </a:defRPr>
             </a:lvl1pPr>
           </a:lstStyle>
-          <a:p/>
+          <a:p>
+            <a:endParaRPr/>
+          </a:p>
         </p:txBody>
       </p:sp>
       <p:sp>
@@ -518,7 +654,7 @@
             <a:spLocks noGrp="1"/>
           </p:cNvSpPr>
           <p:nvPr>
-            <p:ph type="dt" idx="6" sz="half"/>
+            <p:ph type="dt" sz="half" idx="6"/>
           </p:nvPr>
         </p:nvSpPr>
         <p:spPr/>
@@ -538,7 +674,9 @@
           <a:p>
             <a:fld id="{1D8BD707-D9CF-40AE-B4C6-C98DA3205C09}" type="datetimeFigureOut">
               <a:rPr lang="en-US"/>
+              <a:t>12/19/2024</a:t>
             </a:fld>
+            <a:endParaRPr lang="en-US"/>
           </a:p>
         </p:txBody>
       </p:sp>
@@ -549,7 +687,7 @@
             <a:spLocks noGrp="1"/>
           </p:cNvSpPr>
           <p:nvPr>
-            <p:ph type="sldNum" idx="7" sz="quarter"/>
+            <p:ph type="sldNum" sz="quarter" idx="7"/>
           </p:nvPr>
         </p:nvSpPr>
         <p:spPr/>
@@ -568,8 +706,9 @@
           </a:lstStyle>
           <a:p>
             <a:fld id="{B6F15528-21DE-4FAA-801E-634DDDAF4B2B}" type="slidenum">
-              <a:t>#</a:t>
+              <a:t>‹#›</a:t>
             </a:fld>
+            <a:endParaRPr/>
           </a:p>
         </p:txBody>
       </p:sp>
@@ -582,7 +721,7 @@
 </file>
 
 <file path=ppt/slideLayouts/slideLayout4.xml><?xml version="1.0" encoding="utf-8"?>
-<p:sldLayout xmlns:a="http://schemas.openxmlformats.org/drawingml/2006/main" xmlns:r="http://schemas.openxmlformats.org/officeDocument/2006/relationships" xmlns:p="http://schemas.openxmlformats.org/presentationml/2006/main" preserve="1" type="obj" showMasterSp="0">
+<p:sldLayout xmlns:a="http://schemas.openxmlformats.org/drawingml/2006/main" xmlns:r="http://schemas.openxmlformats.org/officeDocument/2006/relationships" xmlns:p="http://schemas.openxmlformats.org/presentationml/2006/main" showMasterSp="0" type="obj" preserve="1">
   <p:cSld name="Title Only">
     <p:bg>
       <p:bgPr>
@@ -608,34 +747,12 @@
       </p:grpSpPr>
       <p:pic>
         <p:nvPicPr>
-          <p:cNvPr id="16" name="bg object 16"/>
+          <p:cNvPr id="17" name="bg object 17"/>
           <p:cNvPicPr/>
           <p:nvPr/>
         </p:nvPicPr>
         <p:blipFill>
           <a:blip r:embed="rId2" cstate="print"/>
-          <a:stretch>
-            <a:fillRect/>
-          </a:stretch>
-        </p:blipFill>
-        <p:spPr>
-          <a:xfrm>
-            <a:off x="11494007" y="6184391"/>
-            <a:ext cx="454151" cy="451104"/>
-          </a:xfrm>
-          <a:prstGeom prst="rect">
-            <a:avLst/>
-          </a:prstGeom>
-        </p:spPr>
-      </p:pic>
-      <p:pic>
-        <p:nvPicPr>
-          <p:cNvPr id="17" name="bg object 17"/>
-          <p:cNvPicPr/>
-          <p:nvPr/>
-        </p:nvPicPr>
-        <p:blipFill>
-          <a:blip r:embed="rId3" cstate="print"/>
           <a:stretch>
             <a:fillRect/>
           </a:stretch>
@@ -674,7 +791,9 @@
               </a:defRPr>
             </a:lvl1pPr>
           </a:lstStyle>
-          <a:p/>
+          <a:p>
+            <a:endParaRPr/>
+          </a:p>
         </p:txBody>
       </p:sp>
       <p:sp>
@@ -684,7 +803,7 @@
             <a:spLocks noGrp="1"/>
           </p:cNvSpPr>
           <p:nvPr>
-            <p:ph type="ftr" idx="5" sz="quarter"/>
+            <p:ph type="ftr" sz="quarter" idx="5"/>
           </p:nvPr>
         </p:nvSpPr>
         <p:spPr/>
@@ -701,7 +820,9 @@
               </a:defRPr>
             </a:lvl1pPr>
           </a:lstStyle>
-          <a:p/>
+          <a:p>
+            <a:endParaRPr/>
+          </a:p>
         </p:txBody>
       </p:sp>
       <p:sp>
@@ -711,7 +832,7 @@
             <a:spLocks noGrp="1"/>
           </p:cNvSpPr>
           <p:nvPr>
-            <p:ph type="dt" idx="6" sz="half"/>
+            <p:ph type="dt" sz="half" idx="6"/>
           </p:nvPr>
         </p:nvSpPr>
         <p:spPr/>
@@ -731,7 +852,9 @@
           <a:p>
             <a:fld id="{1D8BD707-D9CF-40AE-B4C6-C98DA3205C09}" type="datetimeFigureOut">
               <a:rPr lang="en-US"/>
+              <a:t>12/19/2024</a:t>
             </a:fld>
+            <a:endParaRPr lang="en-US"/>
           </a:p>
         </p:txBody>
       </p:sp>
@@ -742,7 +865,7 @@
             <a:spLocks noGrp="1"/>
           </p:cNvSpPr>
           <p:nvPr>
-            <p:ph type="sldNum" idx="7" sz="quarter"/>
+            <p:ph type="sldNum" sz="quarter" idx="7"/>
           </p:nvPr>
         </p:nvSpPr>
         <p:spPr/>
@@ -761,8 +884,9 @@
           </a:lstStyle>
           <a:p>
             <a:fld id="{B6F15528-21DE-4FAA-801E-634DDDAF4B2B}" type="slidenum">
-              <a:t>#</a:t>
+              <a:t>‹#›</a:t>
             </a:fld>
+            <a:endParaRPr/>
           </a:p>
         </p:txBody>
       </p:sp>
@@ -775,7 +899,7 @@
 </file>
 
 <file path=ppt/slideLayouts/slideLayout5.xml><?xml version="1.0" encoding="utf-8"?>
-<p:sldLayout xmlns:a="http://schemas.openxmlformats.org/drawingml/2006/main" xmlns:r="http://schemas.openxmlformats.org/officeDocument/2006/relationships" xmlns:p="http://schemas.openxmlformats.org/presentationml/2006/main" preserve="1" type="obj">
+<p:sldLayout xmlns:a="http://schemas.openxmlformats.org/drawingml/2006/main" xmlns:r="http://schemas.openxmlformats.org/officeDocument/2006/relationships" xmlns:p="http://schemas.openxmlformats.org/presentationml/2006/main" type="obj" preserve="1">
   <p:cSld name="Blank">
     <p:spTree>
       <p:nvGrpSpPr>
@@ -798,7 +922,7 @@
             <a:spLocks noGrp="1"/>
           </p:cNvSpPr>
           <p:nvPr>
-            <p:ph type="ftr" idx="5" sz="quarter"/>
+            <p:ph type="ftr" sz="quarter" idx="5"/>
           </p:nvPr>
         </p:nvSpPr>
         <p:spPr/>
@@ -815,7 +939,9 @@
               </a:defRPr>
             </a:lvl1pPr>
           </a:lstStyle>
-          <a:p/>
+          <a:p>
+            <a:endParaRPr/>
+          </a:p>
         </p:txBody>
       </p:sp>
       <p:sp>
@@ -825,7 +951,7 @@
             <a:spLocks noGrp="1"/>
           </p:cNvSpPr>
           <p:nvPr>
-            <p:ph type="dt" idx="6" sz="half"/>
+            <p:ph type="dt" sz="half" idx="6"/>
           </p:nvPr>
         </p:nvSpPr>
         <p:spPr/>
@@ -845,7 +971,9 @@
           <a:p>
             <a:fld id="{1D8BD707-D9CF-40AE-B4C6-C98DA3205C09}" type="datetimeFigureOut">
               <a:rPr lang="en-US"/>
+              <a:t>12/19/2024</a:t>
             </a:fld>
+            <a:endParaRPr lang="en-US"/>
           </a:p>
         </p:txBody>
       </p:sp>
@@ -856,7 +984,7 @@
             <a:spLocks noGrp="1"/>
           </p:cNvSpPr>
           <p:nvPr>
-            <p:ph type="sldNum" idx="7" sz="quarter"/>
+            <p:ph type="sldNum" sz="quarter" idx="7"/>
           </p:nvPr>
         </p:nvSpPr>
         <p:spPr/>
@@ -875,8 +1003,9 @@
           </a:lstStyle>
           <a:p>
             <a:fld id="{B6F15528-21DE-4FAA-801E-634DDDAF4B2B}" type="slidenum">
-              <a:t>#</a:t>
+              <a:t>‹#›</a:t>
             </a:fld>
+            <a:endParaRPr/>
           </a:p>
         </p:txBody>
       </p:sp>
@@ -913,28 +1042,6 @@
           <a:chExt cx="0" cy="0"/>
         </a:xfrm>
       </p:grpSpPr>
-      <p:pic>
-        <p:nvPicPr>
-          <p:cNvPr id="16" name="bg object 16"/>
-          <p:cNvPicPr/>
-          <p:nvPr/>
-        </p:nvPicPr>
-        <p:blipFill>
-          <a:blip r:embed="rId7" cstate="print"/>
-          <a:stretch>
-            <a:fillRect/>
-          </a:stretch>
-        </p:blipFill>
-        <p:spPr>
-          <a:xfrm>
-            <a:off x="11494007" y="6184391"/>
-            <a:ext cx="454151" cy="451104"/>
-          </a:xfrm>
-          <a:prstGeom prst="rect">
-            <a:avLst/>
-          </a:prstGeom>
-        </p:spPr>
-      </p:pic>
       <p:sp>
         <p:nvSpPr>
           <p:cNvPr id="2" name="Holder 2"/>
@@ -969,7 +1076,9 @@
               </a:defRPr>
             </a:lvl1pPr>
           </a:lstStyle>
-          <a:p/>
+          <a:p>
+            <a:endParaRPr/>
+          </a:p>
         </p:txBody>
       </p:sp>
       <p:sp>
@@ -1004,7 +1113,9 @@
               </a:defRPr>
             </a:lvl1pPr>
           </a:lstStyle>
-          <a:p/>
+          <a:p>
+            <a:endParaRPr/>
+          </a:p>
         </p:txBody>
       </p:sp>
       <p:sp>
@@ -1014,7 +1125,7 @@
             <a:spLocks noGrp="1"/>
           </p:cNvSpPr>
           <p:nvPr>
-            <p:ph type="ftr" idx="5" sz="quarter"/>
+            <p:ph type="ftr" sz="quarter" idx="5"/>
           </p:nvPr>
         </p:nvSpPr>
         <p:spPr>
@@ -1041,7 +1152,9 @@
               </a:defRPr>
             </a:lvl1pPr>
           </a:lstStyle>
-          <a:p/>
+          <a:p>
+            <a:endParaRPr/>
+          </a:p>
         </p:txBody>
       </p:sp>
       <p:sp>
@@ -1051,7 +1164,7 @@
             <a:spLocks noGrp="1"/>
           </p:cNvSpPr>
           <p:nvPr>
-            <p:ph type="dt" idx="6" sz="half"/>
+            <p:ph type="dt" sz="half" idx="6"/>
           </p:nvPr>
         </p:nvSpPr>
         <p:spPr>
@@ -1081,7 +1194,9 @@
           <a:p>
             <a:fld id="{1D8BD707-D9CF-40AE-B4C6-C98DA3205C09}" type="datetimeFigureOut">
               <a:rPr lang="en-US"/>
+              <a:t>12/19/2024</a:t>
             </a:fld>
+            <a:endParaRPr lang="en-US"/>
           </a:p>
         </p:txBody>
       </p:sp>
@@ -1092,7 +1207,7 @@
             <a:spLocks noGrp="1"/>
           </p:cNvSpPr>
           <p:nvPr>
-            <p:ph type="sldNum" idx="7" sz="quarter"/>
+            <p:ph type="sldNum" sz="quarter" idx="7"/>
           </p:nvPr>
         </p:nvSpPr>
         <p:spPr>
@@ -1121,14 +1236,15 @@
           </a:lstStyle>
           <a:p>
             <a:fld id="{B6F15528-21DE-4FAA-801E-634DDDAF4B2B}" type="slidenum">
-              <a:t>#</a:t>
+              <a:t>‹#›</a:t>
             </a:fld>
+            <a:endParaRPr/>
           </a:p>
         </p:txBody>
       </p:sp>
     </p:spTree>
   </p:cSld>
-  <p:clrMap folHlink="folHlink" hlink="hlink" accent1="accent1" accent2="accent2" accent3="accent3" accent4="accent4" accent5="accent5" accent6="accent6" tx2="dk2" bg2="lt2" tx1="dk1" bg1="lt1"/>
+  <p:clrMap bg1="lt1" tx1="dk1" bg2="lt2" tx2="dk2" accent1="accent1" accent2="accent2" accent3="accent3" accent4="accent4" accent5="accent5" accent6="accent6" hlink="hlink" folHlink="folHlink"/>
   <p:sldLayoutIdLst>
     <p:sldLayoutId id="2147483661" r:id="rId1"/>
     <p:sldLayoutId id="2147483662" r:id="rId2"/>
@@ -1321,834 +1437,6 @@
       </p:pic>
       <p:sp>
         <p:nvSpPr>
-          <p:cNvPr id="3" name="object 3"/>
-          <p:cNvSpPr txBox="1"/>
-          <p:nvPr/>
-        </p:nvSpPr>
-        <p:spPr>
-          <a:xfrm>
-            <a:off x="2825375" y="4894579"/>
-            <a:ext cx="3947160" cy="1037590"/>
-          </a:xfrm>
-          <a:prstGeom prst="rect">
-            <a:avLst/>
-          </a:prstGeom>
-        </p:spPr>
-        <p:txBody>
-          <a:bodyPr wrap="square" lIns="0" tIns="12700" rIns="0" bIns="0" rtlCol="0" vert="horz">
-            <a:spAutoFit/>
-          </a:bodyPr>
-          <a:lstStyle/>
-          <a:p>
-            <a:pPr marL="12700">
-              <a:lnSpc>
-                <a:spcPts val="2825"/>
-              </a:lnSpc>
-              <a:spcBef>
-                <a:spcPts val="100"/>
-              </a:spcBef>
-            </a:pPr>
-            <a:r>
-              <a:rPr dirty="0" sz="2400" spc="-45">
-                <a:solidFill>
-                  <a:srgbClr val="F05A28"/>
-                </a:solidFill>
-                <a:latin typeface="Verdana"/>
-                <a:cs typeface="Verdana"/>
-              </a:rPr>
-              <a:t>Samer</a:t>
-            </a:r>
-            <a:r>
-              <a:rPr dirty="0" sz="2400" spc="-170">
-                <a:solidFill>
-                  <a:srgbClr val="F05A28"/>
-                </a:solidFill>
-                <a:latin typeface="Verdana"/>
-                <a:cs typeface="Verdana"/>
-              </a:rPr>
-              <a:t> </a:t>
-            </a:r>
-            <a:r>
-              <a:rPr dirty="0" sz="2400" spc="-5">
-                <a:solidFill>
-                  <a:srgbClr val="F05A28"/>
-                </a:solidFill>
-                <a:latin typeface="Verdana"/>
-                <a:cs typeface="Verdana"/>
-              </a:rPr>
-              <a:t>Buna</a:t>
-            </a:r>
-            <a:endParaRPr sz="2400">
-              <a:latin typeface="Verdana"/>
-              <a:cs typeface="Verdana"/>
-            </a:endParaRPr>
-          </a:p>
-          <a:p>
-            <a:pPr marL="12700">
-              <a:lnSpc>
-                <a:spcPts val="1864"/>
-              </a:lnSpc>
-            </a:pPr>
-            <a:r>
-              <a:rPr dirty="0" sz="1600" spc="15">
-                <a:solidFill>
-                  <a:srgbClr val="393939"/>
-                </a:solidFill>
-                <a:latin typeface="Verdana"/>
-                <a:cs typeface="Verdana"/>
-              </a:rPr>
-              <a:t>SO</a:t>
-            </a:r>
-            <a:r>
-              <a:rPr dirty="0" sz="1600" spc="90">
-                <a:solidFill>
-                  <a:srgbClr val="393939"/>
-                </a:solidFill>
-                <a:latin typeface="Verdana"/>
-                <a:cs typeface="Verdana"/>
-              </a:rPr>
-              <a:t>FT</a:t>
-            </a:r>
-            <a:r>
-              <a:rPr dirty="0" sz="1600" spc="45">
-                <a:solidFill>
-                  <a:srgbClr val="393939"/>
-                </a:solidFill>
-                <a:latin typeface="Verdana"/>
-                <a:cs typeface="Verdana"/>
-              </a:rPr>
-              <a:t>W</a:t>
-            </a:r>
-            <a:r>
-              <a:rPr dirty="0" sz="1600" spc="165">
-                <a:solidFill>
-                  <a:srgbClr val="393939"/>
-                </a:solidFill>
-                <a:latin typeface="Verdana"/>
-                <a:cs typeface="Verdana"/>
-              </a:rPr>
-              <a:t>A</a:t>
-            </a:r>
-            <a:r>
-              <a:rPr dirty="0" sz="1600" spc="45">
-                <a:solidFill>
-                  <a:srgbClr val="393939"/>
-                </a:solidFill>
-                <a:latin typeface="Verdana"/>
-                <a:cs typeface="Verdana"/>
-              </a:rPr>
-              <a:t>R</a:t>
-            </a:r>
-            <a:r>
-              <a:rPr dirty="0" sz="1600" spc="60">
-                <a:solidFill>
-                  <a:srgbClr val="393939"/>
-                </a:solidFill>
-                <a:latin typeface="Verdana"/>
-                <a:cs typeface="Verdana"/>
-              </a:rPr>
-              <a:t>E</a:t>
-            </a:r>
-            <a:r>
-              <a:rPr dirty="0" sz="1600" spc="-90">
-                <a:solidFill>
-                  <a:srgbClr val="393939"/>
-                </a:solidFill>
-                <a:latin typeface="Verdana"/>
-                <a:cs typeface="Verdana"/>
-              </a:rPr>
-              <a:t> </a:t>
-            </a:r>
-            <a:r>
-              <a:rPr dirty="0" sz="1600" spc="165">
-                <a:solidFill>
-                  <a:srgbClr val="393939"/>
-                </a:solidFill>
-                <a:latin typeface="Verdana"/>
-                <a:cs typeface="Verdana"/>
-              </a:rPr>
-              <a:t>A</a:t>
-            </a:r>
-            <a:r>
-              <a:rPr dirty="0" sz="1600" spc="45">
-                <a:solidFill>
-                  <a:srgbClr val="393939"/>
-                </a:solidFill>
-                <a:latin typeface="Verdana"/>
-                <a:cs typeface="Verdana"/>
-              </a:rPr>
-              <a:t>R</a:t>
-            </a:r>
-            <a:r>
-              <a:rPr dirty="0" sz="1600" spc="50">
-                <a:solidFill>
-                  <a:srgbClr val="393939"/>
-                </a:solidFill>
-                <a:latin typeface="Verdana"/>
-                <a:cs typeface="Verdana"/>
-              </a:rPr>
-              <a:t>C</a:t>
-            </a:r>
-            <a:r>
-              <a:rPr dirty="0" sz="1600" spc="5">
-                <a:solidFill>
-                  <a:srgbClr val="393939"/>
-                </a:solidFill>
-                <a:latin typeface="Verdana"/>
-                <a:cs typeface="Verdana"/>
-              </a:rPr>
-              <a:t>H</a:t>
-            </a:r>
-            <a:r>
-              <a:rPr dirty="0" sz="1600" spc="-215">
-                <a:solidFill>
-                  <a:srgbClr val="393939"/>
-                </a:solidFill>
-                <a:latin typeface="Verdana"/>
-                <a:cs typeface="Verdana"/>
-              </a:rPr>
-              <a:t>I</a:t>
-            </a:r>
-            <a:r>
-              <a:rPr dirty="0" sz="1600" spc="55">
-                <a:solidFill>
-                  <a:srgbClr val="393939"/>
-                </a:solidFill>
-                <a:latin typeface="Verdana"/>
-                <a:cs typeface="Verdana"/>
-              </a:rPr>
-              <a:t>TE</a:t>
-            </a:r>
-            <a:r>
-              <a:rPr dirty="0" sz="1600" spc="50">
-                <a:solidFill>
-                  <a:srgbClr val="393939"/>
-                </a:solidFill>
-                <a:latin typeface="Verdana"/>
-                <a:cs typeface="Verdana"/>
-              </a:rPr>
-              <a:t>C</a:t>
-            </a:r>
-            <a:r>
-              <a:rPr dirty="0" sz="1600" spc="50">
-                <a:solidFill>
-                  <a:srgbClr val="393939"/>
-                </a:solidFill>
-                <a:latin typeface="Verdana"/>
-                <a:cs typeface="Verdana"/>
-              </a:rPr>
-              <a:t>T</a:t>
-            </a:r>
-            <a:r>
-              <a:rPr dirty="0" sz="1600" spc="-90">
-                <a:solidFill>
-                  <a:srgbClr val="393939"/>
-                </a:solidFill>
-                <a:latin typeface="Verdana"/>
-                <a:cs typeface="Verdana"/>
-              </a:rPr>
-              <a:t> </a:t>
-            </a:r>
-            <a:r>
-              <a:rPr dirty="0" sz="1600" spc="-175">
-                <a:solidFill>
-                  <a:srgbClr val="393939"/>
-                </a:solidFill>
-                <a:latin typeface="Verdana"/>
-                <a:cs typeface="Verdana"/>
-              </a:rPr>
-              <a:t>–</a:t>
-            </a:r>
-            <a:r>
-              <a:rPr dirty="0" sz="1600" spc="-85">
-                <a:solidFill>
-                  <a:srgbClr val="393939"/>
-                </a:solidFill>
-                <a:latin typeface="Verdana"/>
-                <a:cs typeface="Verdana"/>
-              </a:rPr>
-              <a:t> </a:t>
-            </a:r>
-            <a:r>
-              <a:rPr dirty="0" sz="1600" spc="15">
-                <a:solidFill>
-                  <a:srgbClr val="393939"/>
-                </a:solidFill>
-                <a:latin typeface="Verdana"/>
-                <a:cs typeface="Verdana"/>
-              </a:rPr>
-              <a:t>A</a:t>
-            </a:r>
-            <a:r>
-              <a:rPr dirty="0" sz="1600" spc="90">
-                <a:solidFill>
-                  <a:srgbClr val="393939"/>
-                </a:solidFill>
-                <a:latin typeface="Verdana"/>
-                <a:cs typeface="Verdana"/>
-              </a:rPr>
-              <a:t>G</a:t>
-            </a:r>
-            <a:r>
-              <a:rPr dirty="0" sz="1600" spc="-215">
-                <a:solidFill>
-                  <a:srgbClr val="393939"/>
-                </a:solidFill>
-                <a:latin typeface="Verdana"/>
-                <a:cs typeface="Verdana"/>
-              </a:rPr>
-              <a:t>I</a:t>
-            </a:r>
-            <a:r>
-              <a:rPr dirty="0" sz="1600" spc="90">
-                <a:solidFill>
-                  <a:srgbClr val="393939"/>
-                </a:solidFill>
-                <a:latin typeface="Verdana"/>
-                <a:cs typeface="Verdana"/>
-              </a:rPr>
-              <a:t>L</a:t>
-            </a:r>
-            <a:r>
-              <a:rPr dirty="0" sz="1600" spc="60">
-                <a:solidFill>
-                  <a:srgbClr val="393939"/>
-                </a:solidFill>
-                <a:latin typeface="Verdana"/>
-                <a:cs typeface="Verdana"/>
-              </a:rPr>
-              <a:t>E</a:t>
-            </a:r>
-            <a:r>
-              <a:rPr dirty="0" sz="1600" spc="90">
-                <a:solidFill>
-                  <a:srgbClr val="393939"/>
-                </a:solidFill>
-                <a:latin typeface="Verdana"/>
-                <a:cs typeface="Verdana"/>
-              </a:rPr>
-              <a:t>L</a:t>
-            </a:r>
-            <a:r>
-              <a:rPr dirty="0" sz="1600" spc="165">
-                <a:solidFill>
-                  <a:srgbClr val="393939"/>
-                </a:solidFill>
-                <a:latin typeface="Verdana"/>
-                <a:cs typeface="Verdana"/>
-              </a:rPr>
-              <a:t>A</a:t>
-            </a:r>
-            <a:r>
-              <a:rPr dirty="0" sz="1600" spc="50">
-                <a:solidFill>
-                  <a:srgbClr val="393939"/>
-                </a:solidFill>
-                <a:latin typeface="Verdana"/>
-                <a:cs typeface="Verdana"/>
-              </a:rPr>
-              <a:t>B</a:t>
-            </a:r>
-            <a:r>
-              <a:rPr dirty="0" sz="1600" spc="-70">
-                <a:solidFill>
-                  <a:srgbClr val="393939"/>
-                </a:solidFill>
-                <a:latin typeface="Verdana"/>
-                <a:cs typeface="Verdana"/>
-              </a:rPr>
-              <a:t>S</a:t>
-            </a:r>
-            <a:endParaRPr sz="1600">
-              <a:latin typeface="Verdana"/>
-              <a:cs typeface="Verdana"/>
-            </a:endParaRPr>
-          </a:p>
-          <a:p>
-            <a:pPr marL="12700">
-              <a:lnSpc>
-                <a:spcPct val="100000"/>
-              </a:lnSpc>
-              <a:spcBef>
-                <a:spcPts val="1120"/>
-              </a:spcBef>
-            </a:pPr>
-            <a:r>
-              <a:rPr dirty="0" sz="1800" spc="-45">
-                <a:solidFill>
-                  <a:srgbClr val="202020"/>
-                </a:solidFill>
-                <a:latin typeface="Verdana"/>
-                <a:cs typeface="Verdana"/>
-              </a:rPr>
-              <a:t>@</a:t>
-            </a:r>
-            <a:r>
-              <a:rPr dirty="0" sz="1800" spc="-40">
-                <a:solidFill>
-                  <a:srgbClr val="202020"/>
-                </a:solidFill>
-                <a:latin typeface="Verdana"/>
-                <a:cs typeface="Verdana"/>
-              </a:rPr>
-              <a:t>s</a:t>
-            </a:r>
-            <a:r>
-              <a:rPr dirty="0" sz="1800" spc="-55">
-                <a:solidFill>
-                  <a:srgbClr val="202020"/>
-                </a:solidFill>
-                <a:latin typeface="Verdana"/>
-                <a:cs typeface="Verdana"/>
-              </a:rPr>
-              <a:t>a</a:t>
-            </a:r>
-            <a:r>
-              <a:rPr dirty="0" sz="1800" spc="-40">
-                <a:solidFill>
-                  <a:srgbClr val="202020"/>
-                </a:solidFill>
-                <a:latin typeface="Verdana"/>
-                <a:cs typeface="Verdana"/>
-              </a:rPr>
-              <a:t>m</a:t>
-            </a:r>
-            <a:r>
-              <a:rPr dirty="0" sz="1800" spc="-15">
-                <a:solidFill>
-                  <a:srgbClr val="202020"/>
-                </a:solidFill>
-                <a:latin typeface="Verdana"/>
-                <a:cs typeface="Verdana"/>
-              </a:rPr>
-              <a:t>e</a:t>
-            </a:r>
-            <a:r>
-              <a:rPr dirty="0" sz="1800" spc="-45">
-                <a:solidFill>
-                  <a:srgbClr val="202020"/>
-                </a:solidFill>
-                <a:latin typeface="Verdana"/>
-                <a:cs typeface="Verdana"/>
-              </a:rPr>
-              <a:t>r</a:t>
-            </a:r>
-            <a:r>
-              <a:rPr dirty="0" sz="1800" spc="75">
-                <a:solidFill>
-                  <a:srgbClr val="202020"/>
-                </a:solidFill>
-                <a:latin typeface="Verdana"/>
-                <a:cs typeface="Verdana"/>
-              </a:rPr>
-              <a:t>b</a:t>
-            </a:r>
-            <a:r>
-              <a:rPr dirty="0" sz="1800" spc="-35">
-                <a:solidFill>
-                  <a:srgbClr val="202020"/>
-                </a:solidFill>
-                <a:latin typeface="Verdana"/>
-                <a:cs typeface="Verdana"/>
-              </a:rPr>
-              <a:t>una</a:t>
-            </a:r>
-            <a:r>
-              <a:rPr dirty="0" sz="1800" spc="-100">
-                <a:solidFill>
-                  <a:srgbClr val="202020"/>
-                </a:solidFill>
-                <a:latin typeface="Verdana"/>
-                <a:cs typeface="Verdana"/>
-              </a:rPr>
-              <a:t> </a:t>
-            </a:r>
-            <a:r>
-              <a:rPr dirty="0" sz="1800" spc="-275">
-                <a:solidFill>
-                  <a:srgbClr val="202020"/>
-                </a:solidFill>
-                <a:latin typeface="Verdana"/>
-                <a:cs typeface="Verdana"/>
-              </a:rPr>
-              <a:t>|</a:t>
-            </a:r>
-            <a:r>
-              <a:rPr dirty="0" sz="1800" spc="-95">
-                <a:solidFill>
-                  <a:srgbClr val="202020"/>
-                </a:solidFill>
-                <a:latin typeface="Verdana"/>
-                <a:cs typeface="Verdana"/>
-              </a:rPr>
-              <a:t> </a:t>
-            </a:r>
-            <a:r>
-              <a:rPr dirty="0" sz="1800" spc="-40">
-                <a:solidFill>
-                  <a:srgbClr val="202020"/>
-                </a:solidFill>
-                <a:latin typeface="Verdana"/>
-                <a:cs typeface="Verdana"/>
-              </a:rPr>
-              <a:t>s</a:t>
-            </a:r>
-            <a:r>
-              <a:rPr dirty="0" sz="1800" spc="-55">
-                <a:solidFill>
-                  <a:srgbClr val="202020"/>
-                </a:solidFill>
-                <a:latin typeface="Verdana"/>
-                <a:cs typeface="Verdana"/>
-              </a:rPr>
-              <a:t>a</a:t>
-            </a:r>
-            <a:r>
-              <a:rPr dirty="0" sz="1800" spc="-40">
-                <a:solidFill>
-                  <a:srgbClr val="202020"/>
-                </a:solidFill>
-                <a:latin typeface="Verdana"/>
-                <a:cs typeface="Verdana"/>
-              </a:rPr>
-              <a:t>m</a:t>
-            </a:r>
-            <a:r>
-              <a:rPr dirty="0" sz="1800" spc="-15">
-                <a:solidFill>
-                  <a:srgbClr val="202020"/>
-                </a:solidFill>
-                <a:latin typeface="Verdana"/>
-                <a:cs typeface="Verdana"/>
-              </a:rPr>
-              <a:t>e</a:t>
-            </a:r>
-            <a:r>
-              <a:rPr dirty="0" sz="1800" spc="-210">
-                <a:solidFill>
-                  <a:srgbClr val="202020"/>
-                </a:solidFill>
-                <a:latin typeface="Verdana"/>
-                <a:cs typeface="Verdana"/>
-              </a:rPr>
-              <a:t>r</a:t>
-            </a:r>
-            <a:r>
-              <a:rPr dirty="0" sz="1800" spc="-220">
-                <a:solidFill>
-                  <a:srgbClr val="202020"/>
-                </a:solidFill>
-                <a:latin typeface="Verdana"/>
-                <a:cs typeface="Verdana"/>
-              </a:rPr>
-              <a:t>.</a:t>
-            </a:r>
-            <a:r>
-              <a:rPr dirty="0" sz="1800" spc="75">
-                <a:solidFill>
-                  <a:srgbClr val="202020"/>
-                </a:solidFill>
-                <a:latin typeface="Verdana"/>
-                <a:cs typeface="Verdana"/>
-              </a:rPr>
-              <a:t>d</a:t>
-            </a:r>
-            <a:r>
-              <a:rPr dirty="0" sz="1800" spc="-60">
-                <a:solidFill>
-                  <a:srgbClr val="202020"/>
-                </a:solidFill>
-                <a:latin typeface="Verdana"/>
-                <a:cs typeface="Verdana"/>
-              </a:rPr>
-              <a:t>e</a:t>
-            </a:r>
-            <a:r>
-              <a:rPr dirty="0" sz="1800" spc="-10">
-                <a:solidFill>
-                  <a:srgbClr val="202020"/>
-                </a:solidFill>
-                <a:latin typeface="Verdana"/>
-                <a:cs typeface="Verdana"/>
-              </a:rPr>
-              <a:t>v</a:t>
-            </a:r>
-            <a:endParaRPr sz="1800">
-              <a:latin typeface="Verdana"/>
-              <a:cs typeface="Verdana"/>
-            </a:endParaRPr>
-          </a:p>
-        </p:txBody>
-      </p:sp>
-      <p:grpSp>
-        <p:nvGrpSpPr>
-          <p:cNvPr id="4" name="object 4"/>
-          <p:cNvGrpSpPr/>
-          <p:nvPr/>
-        </p:nvGrpSpPr>
-        <p:grpSpPr>
-          <a:xfrm>
-            <a:off x="954444" y="4613852"/>
-            <a:ext cx="1647189" cy="1647189"/>
-            <a:chOff x="954444" y="4613852"/>
-            <a:chExt cx="1647189" cy="1647189"/>
-          </a:xfrm>
-        </p:grpSpPr>
-        <p:pic>
-          <p:nvPicPr>
-            <p:cNvPr id="5" name="object 5"/>
-            <p:cNvPicPr/>
-            <p:nvPr/>
-          </p:nvPicPr>
-          <p:blipFill>
-            <a:blip r:embed="rId3" cstate="print"/>
-            <a:stretch>
-              <a:fillRect/>
-            </a:stretch>
-          </p:blipFill>
-          <p:spPr>
-            <a:xfrm>
-              <a:off x="963975" y="4623383"/>
-              <a:ext cx="1627631" cy="1627631"/>
-            </a:xfrm>
-            <a:prstGeom prst="rect">
-              <a:avLst/>
-            </a:prstGeom>
-          </p:spPr>
-        </p:pic>
-        <p:sp>
-          <p:nvSpPr>
-            <p:cNvPr id="6" name="object 6"/>
-            <p:cNvSpPr/>
-            <p:nvPr/>
-          </p:nvSpPr>
-          <p:spPr>
-            <a:xfrm>
-              <a:off x="959207" y="4618614"/>
-              <a:ext cx="1637664" cy="1637664"/>
-            </a:xfrm>
-            <a:custGeom>
-              <a:avLst/>
-              <a:gdLst/>
-              <a:ahLst/>
-              <a:cxnLst/>
-              <a:rect l="l" t="t" r="r" b="b"/>
-              <a:pathLst>
-                <a:path w="1637664" h="1637664">
-                  <a:moveTo>
-                    <a:pt x="818584" y="0"/>
-                  </a:moveTo>
-                  <a:lnTo>
-                    <a:pt x="902273" y="4225"/>
-                  </a:lnTo>
-                  <a:lnTo>
-                    <a:pt x="983551" y="16630"/>
-                  </a:lnTo>
-                  <a:lnTo>
-                    <a:pt x="1062003" y="36802"/>
-                  </a:lnTo>
-                  <a:lnTo>
-                    <a:pt x="1137214" y="64330"/>
-                  </a:lnTo>
-                  <a:lnTo>
-                    <a:pt x="1208772" y="98801"/>
-                  </a:lnTo>
-                  <a:lnTo>
-                    <a:pt x="1276265" y="139804"/>
-                  </a:lnTo>
-                  <a:lnTo>
-                    <a:pt x="1339281" y="186926"/>
-                  </a:lnTo>
-                  <a:lnTo>
-                    <a:pt x="1397410" y="239758"/>
-                  </a:lnTo>
-                  <a:lnTo>
-                    <a:pt x="1450242" y="297887"/>
-                  </a:lnTo>
-                  <a:lnTo>
-                    <a:pt x="1497364" y="360903"/>
-                  </a:lnTo>
-                  <a:lnTo>
-                    <a:pt x="1538367" y="428396"/>
-                  </a:lnTo>
-                  <a:lnTo>
-                    <a:pt x="1572838" y="499954"/>
-                  </a:lnTo>
-                  <a:lnTo>
-                    <a:pt x="1600366" y="575165"/>
-                  </a:lnTo>
-                  <a:lnTo>
-                    <a:pt x="1620538" y="653617"/>
-                  </a:lnTo>
-                  <a:lnTo>
-                    <a:pt x="1632943" y="734896"/>
-                  </a:lnTo>
-                  <a:lnTo>
-                    <a:pt x="1637169" y="818584"/>
-                  </a:lnTo>
-                  <a:lnTo>
-                    <a:pt x="1632943" y="902273"/>
-                  </a:lnTo>
-                  <a:lnTo>
-                    <a:pt x="1620538" y="983551"/>
-                  </a:lnTo>
-                  <a:lnTo>
-                    <a:pt x="1600366" y="1062003"/>
-                  </a:lnTo>
-                  <a:lnTo>
-                    <a:pt x="1572838" y="1137214"/>
-                  </a:lnTo>
-                  <a:lnTo>
-                    <a:pt x="1538367" y="1208772"/>
-                  </a:lnTo>
-                  <a:lnTo>
-                    <a:pt x="1497364" y="1276265"/>
-                  </a:lnTo>
-                  <a:lnTo>
-                    <a:pt x="1450242" y="1339281"/>
-                  </a:lnTo>
-                  <a:lnTo>
-                    <a:pt x="1397410" y="1397410"/>
-                  </a:lnTo>
-                  <a:lnTo>
-                    <a:pt x="1339281" y="1450242"/>
-                  </a:lnTo>
-                  <a:lnTo>
-                    <a:pt x="1276265" y="1497364"/>
-                  </a:lnTo>
-                  <a:lnTo>
-                    <a:pt x="1208772" y="1538367"/>
-                  </a:lnTo>
-                  <a:lnTo>
-                    <a:pt x="1137214" y="1572838"/>
-                  </a:lnTo>
-                  <a:lnTo>
-                    <a:pt x="1062003" y="1600366"/>
-                  </a:lnTo>
-                  <a:lnTo>
-                    <a:pt x="983551" y="1620538"/>
-                  </a:lnTo>
-                  <a:lnTo>
-                    <a:pt x="902273" y="1632943"/>
-                  </a:lnTo>
-                  <a:lnTo>
-                    <a:pt x="818584" y="1637169"/>
-                  </a:lnTo>
-                  <a:lnTo>
-                    <a:pt x="734896" y="1632943"/>
-                  </a:lnTo>
-                  <a:lnTo>
-                    <a:pt x="653617" y="1620538"/>
-                  </a:lnTo>
-                  <a:lnTo>
-                    <a:pt x="575165" y="1600366"/>
-                  </a:lnTo>
-                  <a:lnTo>
-                    <a:pt x="499954" y="1572838"/>
-                  </a:lnTo>
-                  <a:lnTo>
-                    <a:pt x="428396" y="1538367"/>
-                  </a:lnTo>
-                  <a:lnTo>
-                    <a:pt x="360903" y="1497364"/>
-                  </a:lnTo>
-                  <a:lnTo>
-                    <a:pt x="297887" y="1450242"/>
-                  </a:lnTo>
-                  <a:lnTo>
-                    <a:pt x="239758" y="1397410"/>
-                  </a:lnTo>
-                  <a:lnTo>
-                    <a:pt x="186926" y="1339281"/>
-                  </a:lnTo>
-                  <a:lnTo>
-                    <a:pt x="139804" y="1276265"/>
-                  </a:lnTo>
-                  <a:lnTo>
-                    <a:pt x="98801" y="1208772"/>
-                  </a:lnTo>
-                  <a:lnTo>
-                    <a:pt x="64330" y="1137214"/>
-                  </a:lnTo>
-                  <a:lnTo>
-                    <a:pt x="36802" y="1062003"/>
-                  </a:lnTo>
-                  <a:lnTo>
-                    <a:pt x="16630" y="983551"/>
-                  </a:lnTo>
-                  <a:lnTo>
-                    <a:pt x="4225" y="902273"/>
-                  </a:lnTo>
-                  <a:lnTo>
-                    <a:pt x="0" y="818584"/>
-                  </a:lnTo>
-                  <a:lnTo>
-                    <a:pt x="4225" y="734896"/>
-                  </a:lnTo>
-                  <a:lnTo>
-                    <a:pt x="16630" y="653617"/>
-                  </a:lnTo>
-                  <a:lnTo>
-                    <a:pt x="36802" y="575165"/>
-                  </a:lnTo>
-                  <a:lnTo>
-                    <a:pt x="64330" y="499954"/>
-                  </a:lnTo>
-                  <a:lnTo>
-                    <a:pt x="98801" y="428396"/>
-                  </a:lnTo>
-                  <a:lnTo>
-                    <a:pt x="139804" y="360903"/>
-                  </a:lnTo>
-                  <a:lnTo>
-                    <a:pt x="186926" y="297887"/>
-                  </a:lnTo>
-                  <a:lnTo>
-                    <a:pt x="239758" y="239758"/>
-                  </a:lnTo>
-                  <a:lnTo>
-                    <a:pt x="297887" y="186926"/>
-                  </a:lnTo>
-                  <a:lnTo>
-                    <a:pt x="360903" y="139804"/>
-                  </a:lnTo>
-                  <a:lnTo>
-                    <a:pt x="428396" y="98801"/>
-                  </a:lnTo>
-                  <a:lnTo>
-                    <a:pt x="499954" y="64330"/>
-                  </a:lnTo>
-                  <a:lnTo>
-                    <a:pt x="575165" y="36802"/>
-                  </a:lnTo>
-                  <a:lnTo>
-                    <a:pt x="653617" y="16630"/>
-                  </a:lnTo>
-                  <a:lnTo>
-                    <a:pt x="734896" y="4225"/>
-                  </a:lnTo>
-                  <a:lnTo>
-                    <a:pt x="818584" y="0"/>
-                  </a:lnTo>
-                  <a:close/>
-                </a:path>
-              </a:pathLst>
-            </a:custGeom>
-            <a:ln w="9525">
-              <a:solidFill>
-                <a:srgbClr val="F8F8F8"/>
-              </a:solidFill>
-            </a:ln>
-          </p:spPr>
-          <p:txBody>
-            <a:bodyPr wrap="square" lIns="0" tIns="0" rIns="0" bIns="0" rtlCol="0"/>
-            <a:lstStyle/>
-            <a:p/>
-          </p:txBody>
-        </p:sp>
-      </p:grpSp>
-      <p:sp>
-        <p:nvSpPr>
           <p:cNvPr id="7" name="object 7"/>
           <p:cNvSpPr txBox="1">
             <a:spLocks noGrp="1"/>
@@ -2162,10 +1450,12 @@
             <a:off x="951384" y="2009647"/>
             <a:ext cx="7110095" cy="711200"/>
           </a:xfrm>
-          <a:prstGeom prst="rect"/>
+          <a:prstGeom prst="rect">
+            <a:avLst/>
+          </a:prstGeom>
         </p:spPr>
         <p:txBody>
-          <a:bodyPr wrap="square" lIns="0" tIns="12700" rIns="0" bIns="0" rtlCol="0" vert="horz">
+          <a:bodyPr vert="horz" wrap="square" lIns="0" tIns="12700" rIns="0" bIns="0" rtlCol="0">
             <a:spAutoFit/>
           </a:bodyPr>
           <a:lstStyle/>
@@ -2179,7 +1469,7 @@
               </a:spcBef>
             </a:pPr>
             <a:r>
-              <a:rPr dirty="0" sz="4500" spc="45">
+              <a:rPr sz="4500" spc="45" dirty="0">
                 <a:solidFill>
                   <a:srgbClr val="171717"/>
                 </a:solidFill>
@@ -2187,7 +1477,7 @@
               <a:t>M</a:t>
             </a:r>
             <a:r>
-              <a:rPr dirty="0" sz="4500" spc="15">
+              <a:rPr sz="4500" spc="15" dirty="0">
                 <a:solidFill>
                   <a:srgbClr val="171717"/>
                 </a:solidFill>
@@ -2195,7 +1485,7 @@
               <a:t>o</a:t>
             </a:r>
             <a:r>
-              <a:rPr dirty="0" sz="4500" spc="65">
+              <a:rPr sz="4500" spc="65" dirty="0">
                 <a:solidFill>
                   <a:srgbClr val="171717"/>
                 </a:solidFill>
@@ -2203,7 +1493,7 @@
               <a:t>d</a:t>
             </a:r>
             <a:r>
-              <a:rPr dirty="0" sz="4500" spc="-190">
+              <a:rPr sz="4500" spc="-190" dirty="0">
                 <a:solidFill>
                   <a:srgbClr val="171717"/>
                 </a:solidFill>
@@ -2211,7 +1501,7 @@
               <a:t>u</a:t>
             </a:r>
             <a:r>
-              <a:rPr dirty="0" sz="4500" spc="-165">
+              <a:rPr sz="4500" spc="-165" dirty="0">
                 <a:solidFill>
                   <a:srgbClr val="171717"/>
                 </a:solidFill>
@@ -2219,7 +1509,7 @@
               <a:t>l</a:t>
             </a:r>
             <a:r>
-              <a:rPr dirty="0" sz="4500" spc="-135">
+              <a:rPr sz="4500" spc="-135" dirty="0">
                 <a:solidFill>
                   <a:srgbClr val="171717"/>
                 </a:solidFill>
@@ -2227,7 +1517,7 @@
               <a:t>e</a:t>
             </a:r>
             <a:r>
-              <a:rPr dirty="0" sz="4500" spc="-105">
+              <a:rPr sz="4500" spc="-105" dirty="0">
                 <a:solidFill>
                   <a:srgbClr val="171717"/>
                 </a:solidFill>
@@ -2235,7 +1525,7 @@
               <a:t>s</a:t>
             </a:r>
             <a:r>
-              <a:rPr dirty="0" sz="4500" spc="-459">
+              <a:rPr sz="4500" spc="-459" dirty="0">
                 <a:solidFill>
                   <a:srgbClr val="171717"/>
                 </a:solidFill>
@@ -2243,7 +1533,7 @@
               <a:t> </a:t>
             </a:r>
             <a:r>
-              <a:rPr dirty="0" sz="4500" spc="-204">
+              <a:rPr sz="4500" spc="-204" dirty="0">
                 <a:solidFill>
                   <a:srgbClr val="171717"/>
                 </a:solidFill>
@@ -2251,7 +1541,7 @@
               <a:t>a</a:t>
             </a:r>
             <a:r>
-              <a:rPr dirty="0" sz="4500" spc="-200">
+              <a:rPr sz="4500" spc="-200" dirty="0">
                 <a:solidFill>
                   <a:srgbClr val="171717"/>
                 </a:solidFill>
@@ -2259,7 +1549,7 @@
               <a:t>n</a:t>
             </a:r>
             <a:r>
-              <a:rPr dirty="0" sz="4500" spc="180">
+              <a:rPr sz="4500" spc="180" dirty="0">
                 <a:solidFill>
                   <a:srgbClr val="171717"/>
                 </a:solidFill>
@@ -2267,7 +1557,7 @@
               <a:t>d</a:t>
             </a:r>
             <a:r>
-              <a:rPr dirty="0" sz="4500" spc="-459">
+              <a:rPr sz="4500" spc="-459" dirty="0">
                 <a:solidFill>
                   <a:srgbClr val="171717"/>
                 </a:solidFill>
@@ -2275,7 +1565,7 @@
               <a:t> </a:t>
             </a:r>
             <a:r>
-              <a:rPr dirty="0" sz="4500" spc="20">
+              <a:rPr sz="4500" spc="20" dirty="0">
                 <a:solidFill>
                   <a:srgbClr val="171717"/>
                 </a:solidFill>
@@ -2283,7 +1573,7 @@
               <a:t>C</a:t>
             </a:r>
             <a:r>
-              <a:rPr dirty="0" sz="4500" spc="70">
+              <a:rPr sz="4500" spc="70" dirty="0">
                 <a:solidFill>
                   <a:srgbClr val="171717"/>
                 </a:solidFill>
@@ -2291,7 +1581,7 @@
               <a:t>o</a:t>
             </a:r>
             <a:r>
-              <a:rPr dirty="0" sz="4500" spc="-190">
+              <a:rPr sz="4500" spc="-190" dirty="0">
                 <a:solidFill>
                   <a:srgbClr val="171717"/>
                 </a:solidFill>
@@ -2299,7 +1589,7 @@
               <a:t>n</a:t>
             </a:r>
             <a:r>
-              <a:rPr dirty="0" sz="4500" spc="120">
+              <a:rPr sz="4500" spc="120" dirty="0">
                 <a:solidFill>
                   <a:srgbClr val="171717"/>
                 </a:solidFill>
@@ -2307,7 +1597,7 @@
               <a:t>c</a:t>
             </a:r>
             <a:r>
-              <a:rPr dirty="0" sz="4500" spc="-190">
+              <a:rPr sz="4500" spc="-190" dirty="0">
                 <a:solidFill>
                   <a:srgbClr val="171717"/>
                 </a:solidFill>
@@ -2315,7 +1605,7 @@
               <a:t>u</a:t>
             </a:r>
             <a:r>
-              <a:rPr dirty="0" sz="4500" spc="-210">
+              <a:rPr sz="4500" spc="-210" dirty="0">
                 <a:solidFill>
                   <a:srgbClr val="171717"/>
                 </a:solidFill>
@@ -2323,7 +1613,7 @@
               <a:t>r</a:t>
             </a:r>
             <a:r>
-              <a:rPr dirty="0" sz="4500" spc="-310">
+              <a:rPr sz="4500" spc="-310" dirty="0">
                 <a:solidFill>
                   <a:srgbClr val="171717"/>
                 </a:solidFill>
@@ -2331,7 +1621,7 @@
               <a:t>r</a:t>
             </a:r>
             <a:r>
-              <a:rPr dirty="0" sz="4500" spc="-135">
+              <a:rPr sz="4500" spc="-135" dirty="0">
                 <a:solidFill>
                   <a:srgbClr val="171717"/>
                 </a:solidFill>
@@ -2339,7 +1629,7 @@
               <a:t>e</a:t>
             </a:r>
             <a:r>
-              <a:rPr dirty="0" sz="4500" spc="-190">
+              <a:rPr sz="4500" spc="-190" dirty="0">
                 <a:solidFill>
                   <a:srgbClr val="171717"/>
                 </a:solidFill>
@@ -2347,7 +1637,7 @@
               <a:t>n</a:t>
             </a:r>
             <a:r>
-              <a:rPr dirty="0" sz="4500" spc="90">
+              <a:rPr sz="4500" spc="90" dirty="0">
                 <a:solidFill>
                   <a:srgbClr val="171717"/>
                 </a:solidFill>
@@ -2355,7 +1645,7 @@
               <a:t>c</a:t>
             </a:r>
             <a:r>
-              <a:rPr dirty="0" sz="4500" spc="-5">
+              <a:rPr sz="4500" spc="-5" dirty="0">
                 <a:solidFill>
                   <a:srgbClr val="171717"/>
                 </a:solidFill>
@@ -2410,7 +1700,7 @@
           </a:solidFill>
         </p:spPr>
         <p:txBody>
-          <a:bodyPr wrap="square" lIns="0" tIns="0" rIns="0" bIns="0" rtlCol="0" vert="horz">
+          <a:bodyPr vert="horz" wrap="square" lIns="0" tIns="0" rIns="0" bIns="0" rtlCol="0">
             <a:spAutoFit/>
           </a:bodyPr>
           <a:lstStyle/>
@@ -2457,7 +1747,7 @@
               </a:lnSpc>
             </a:pPr>
             <a:r>
-              <a:rPr dirty="0" sz="2400" spc="35">
+              <a:rPr sz="2400" spc="35" dirty="0">
                 <a:solidFill>
                   <a:srgbClr val="404040"/>
                 </a:solidFill>
@@ -2467,7 +1757,7 @@
               <a:t>Exception</a:t>
             </a:r>
             <a:r>
-              <a:rPr dirty="0" sz="2400" spc="-135">
+              <a:rPr sz="2400" spc="-135" dirty="0">
                 <a:solidFill>
                   <a:srgbClr val="404040"/>
                 </a:solidFill>
@@ -2477,7 +1767,7 @@
               <a:t> </a:t>
             </a:r>
             <a:r>
-              <a:rPr dirty="0" sz="2400" spc="-15">
+              <a:rPr sz="2400" spc="-15" dirty="0">
                 <a:solidFill>
                   <a:srgbClr val="404040"/>
                 </a:solidFill>
@@ -2487,7 +1777,7 @@
               <a:t>is</a:t>
             </a:r>
             <a:r>
-              <a:rPr dirty="0" sz="2400" spc="-135">
+              <a:rPr sz="2400" spc="-135" dirty="0">
                 <a:solidFill>
                   <a:srgbClr val="404040"/>
                 </a:solidFill>
@@ -2497,7 +1787,7 @@
               <a:t> </a:t>
             </a:r>
             <a:r>
-              <a:rPr dirty="0" sz="2400" spc="55">
+              <a:rPr sz="2400" spc="55" dirty="0">
                 <a:solidFill>
                   <a:srgbClr val="404040"/>
                 </a:solidFill>
@@ -2532,7 +1822,7 @@
           </a:solidFill>
         </p:spPr>
         <p:txBody>
-          <a:bodyPr wrap="square" lIns="0" tIns="0" rIns="0" bIns="0" rtlCol="0" vert="horz">
+          <a:bodyPr vert="horz" wrap="square" lIns="0" tIns="0" rIns="0" bIns="0" rtlCol="0">
             <a:spAutoFit/>
           </a:bodyPr>
           <a:lstStyle/>
@@ -2579,7 +1869,7 @@
               </a:lnSpc>
             </a:pPr>
             <a:r>
-              <a:rPr dirty="0" sz="2400" spc="10">
+              <a:rPr sz="2400" spc="10" dirty="0">
                 <a:solidFill>
                   <a:srgbClr val="404040"/>
                 </a:solidFill>
@@ -2589,7 +1879,7 @@
               <a:t>Error</a:t>
             </a:r>
             <a:r>
-              <a:rPr dirty="0" sz="2400" spc="-145">
+              <a:rPr sz="2400" spc="-145" dirty="0">
                 <a:solidFill>
                   <a:srgbClr val="404040"/>
                 </a:solidFill>
@@ -2599,7 +1889,7 @@
               <a:t> </a:t>
             </a:r>
             <a:r>
-              <a:rPr dirty="0" sz="2400" spc="-15">
+              <a:rPr sz="2400" spc="-15" dirty="0">
                 <a:solidFill>
                   <a:srgbClr val="404040"/>
                 </a:solidFill>
@@ -2609,7 +1899,7 @@
               <a:t>is</a:t>
             </a:r>
             <a:r>
-              <a:rPr dirty="0" sz="2400" spc="-140">
+              <a:rPr sz="2400" spc="-140" dirty="0">
                 <a:solidFill>
                   <a:srgbClr val="404040"/>
                 </a:solidFill>
@@ -2619,7 +1909,7 @@
               <a:t> </a:t>
             </a:r>
             <a:r>
-              <a:rPr dirty="0" sz="2400" spc="50">
+              <a:rPr sz="2400" spc="50" dirty="0">
                 <a:solidFill>
                   <a:srgbClr val="404040"/>
                 </a:solidFill>
@@ -2650,10 +1940,12 @@
             <a:off x="3744898" y="517651"/>
             <a:ext cx="4613910" cy="574040"/>
           </a:xfrm>
-          <a:prstGeom prst="rect"/>
+          <a:prstGeom prst="rect">
+            <a:avLst/>
+          </a:prstGeom>
         </p:spPr>
         <p:txBody>
-          <a:bodyPr wrap="square" lIns="0" tIns="12700" rIns="0" bIns="0" rtlCol="0" vert="horz">
+          <a:bodyPr vert="horz" wrap="square" lIns="0" tIns="12700" rIns="0" bIns="0" rtlCol="0">
             <a:spAutoFit/>
           </a:bodyPr>
           <a:lstStyle/>
@@ -2667,7 +1959,7 @@
               </a:spcBef>
             </a:pPr>
             <a:r>
-              <a:rPr dirty="0" spc="20">
+              <a:rPr spc="20" dirty="0">
                 <a:solidFill>
                   <a:srgbClr val="404040"/>
                 </a:solidFill>
@@ -2675,7 +1967,7 @@
               <a:t>E</a:t>
             </a:r>
             <a:r>
-              <a:rPr dirty="0" spc="10">
+              <a:rPr spc="10" dirty="0">
                 <a:solidFill>
                   <a:srgbClr val="404040"/>
                 </a:solidFill>
@@ -2683,7 +1975,7 @@
               <a:t>r</a:t>
             </a:r>
             <a:r>
-              <a:rPr dirty="0" spc="-195">
+              <a:rPr spc="-195" dirty="0">
                 <a:solidFill>
                   <a:srgbClr val="404040"/>
                 </a:solidFill>
@@ -2691,7 +1983,7 @@
               <a:t>r</a:t>
             </a:r>
             <a:r>
-              <a:rPr dirty="0" spc="110">
+              <a:rPr spc="110" dirty="0">
                 <a:solidFill>
                   <a:srgbClr val="404040"/>
                 </a:solidFill>
@@ -2699,7 +1991,7 @@
               <a:t>o</a:t>
             </a:r>
             <a:r>
-              <a:rPr dirty="0" spc="-105">
+              <a:rPr spc="-105" dirty="0">
                 <a:solidFill>
                   <a:srgbClr val="404040"/>
                 </a:solidFill>
@@ -2707,7 +1999,7 @@
               <a:t>r</a:t>
             </a:r>
             <a:r>
-              <a:rPr dirty="0" spc="-90">
+              <a:rPr spc="-90" dirty="0">
                 <a:solidFill>
                   <a:srgbClr val="404040"/>
                 </a:solidFill>
@@ -2715,7 +2007,7 @@
               <a:t>s</a:t>
             </a:r>
             <a:r>
-              <a:rPr dirty="0" spc="-200">
+              <a:rPr spc="-200" dirty="0">
                 <a:solidFill>
                   <a:srgbClr val="404040"/>
                 </a:solidFill>
@@ -2723,7 +2015,7 @@
               <a:t> </a:t>
             </a:r>
             <a:r>
-              <a:rPr dirty="0" spc="-110">
+              <a:rPr spc="-110" dirty="0">
                 <a:solidFill>
                   <a:srgbClr val="404040"/>
                 </a:solidFill>
@@ -2731,7 +2023,7 @@
               <a:t>v</a:t>
             </a:r>
             <a:r>
-              <a:rPr dirty="0" spc="-90">
+              <a:rPr spc="-90" dirty="0">
                 <a:solidFill>
                   <a:srgbClr val="404040"/>
                 </a:solidFill>
@@ -2739,7 +2031,7 @@
               <a:t>s</a:t>
             </a:r>
             <a:r>
-              <a:rPr dirty="0" spc="-200">
+              <a:rPr spc="-200" dirty="0">
                 <a:solidFill>
                   <a:srgbClr val="404040"/>
                 </a:solidFill>
@@ -2747,7 +2039,7 @@
               <a:t> </a:t>
             </a:r>
             <a:r>
-              <a:rPr dirty="0" spc="135">
+              <a:rPr spc="135" dirty="0">
                 <a:solidFill>
                   <a:srgbClr val="404040"/>
                 </a:solidFill>
@@ -2755,7 +2047,7 @@
               <a:t>E</a:t>
             </a:r>
             <a:r>
-              <a:rPr dirty="0" spc="-210">
+              <a:rPr spc="-210" dirty="0">
                 <a:solidFill>
                   <a:srgbClr val="404040"/>
                 </a:solidFill>
@@ -2763,7 +2055,7 @@
               <a:t>x</a:t>
             </a:r>
             <a:r>
-              <a:rPr dirty="0" spc="114">
+              <a:rPr spc="114" dirty="0">
                 <a:solidFill>
                   <a:srgbClr val="404040"/>
                 </a:solidFill>
@@ -2771,7 +2063,7 @@
               <a:t>c</a:t>
             </a:r>
             <a:r>
-              <a:rPr dirty="0" spc="-50">
+              <a:rPr spc="-50" dirty="0">
                 <a:solidFill>
                   <a:srgbClr val="404040"/>
                 </a:solidFill>
@@ -2779,7 +2071,7 @@
               <a:t>e</a:t>
             </a:r>
             <a:r>
-              <a:rPr dirty="0" spc="90">
+              <a:rPr spc="90" dirty="0">
                 <a:solidFill>
                   <a:srgbClr val="404040"/>
                 </a:solidFill>
@@ -2787,7 +2079,7 @@
               <a:t>p</a:t>
             </a:r>
             <a:r>
-              <a:rPr dirty="0" spc="50">
+              <a:rPr spc="50" dirty="0">
                 <a:solidFill>
                   <a:srgbClr val="404040"/>
                 </a:solidFill>
@@ -2795,7 +2087,7 @@
               <a:t>t</a:t>
             </a:r>
             <a:r>
-              <a:rPr dirty="0" spc="-95">
+              <a:rPr spc="-95" dirty="0">
                 <a:solidFill>
                   <a:srgbClr val="404040"/>
                 </a:solidFill>
@@ -2803,7 +2095,7 @@
               <a:t>i</a:t>
             </a:r>
             <a:r>
-              <a:rPr dirty="0" spc="110">
+              <a:rPr spc="110" dirty="0">
                 <a:solidFill>
                   <a:srgbClr val="404040"/>
                 </a:solidFill>
@@ -2811,7 +2103,7 @@
               <a:t>o</a:t>
             </a:r>
             <a:r>
-              <a:rPr dirty="0" spc="-70">
+              <a:rPr spc="-70" dirty="0">
                 <a:solidFill>
                   <a:srgbClr val="404040"/>
                 </a:solidFill>
@@ -2819,7 +2111,7 @@
               <a:t>n</a:t>
             </a:r>
             <a:r>
-              <a:rPr dirty="0" spc="-90">
+              <a:rPr spc="-90" dirty="0">
                 <a:solidFill>
                   <a:srgbClr val="404040"/>
                 </a:solidFill>
@@ -2869,10 +2161,12 @@
             <a:off x="8190602" y="2718308"/>
             <a:ext cx="3216275" cy="574040"/>
           </a:xfrm>
-          <a:prstGeom prst="rect"/>
+          <a:prstGeom prst="rect">
+            <a:avLst/>
+          </a:prstGeom>
         </p:spPr>
         <p:txBody>
-          <a:bodyPr wrap="square" lIns="0" tIns="12700" rIns="0" bIns="0" rtlCol="0" vert="horz">
+          <a:bodyPr vert="horz" wrap="square" lIns="0" tIns="12700" rIns="0" bIns="0" rtlCol="0">
             <a:spAutoFit/>
           </a:bodyPr>
           <a:lstStyle/>
@@ -2886,15 +2180,15 @@
               </a:spcBef>
             </a:pPr>
             <a:r>
-              <a:rPr dirty="0" spc="105"/>
+              <a:rPr spc="105" dirty="0"/>
               <a:t>Node</a:t>
             </a:r>
             <a:r>
-              <a:rPr dirty="0" spc="-285"/>
+              <a:rPr spc="-285" dirty="0"/>
               <a:t> </a:t>
             </a:r>
             <a:r>
-              <a:rPr dirty="0" spc="-35"/>
+              <a:rPr spc="-35" dirty="0"/>
               <a:t>Clusters</a:t>
             </a:r>
           </a:p>
@@ -2970,7 +2264,9 @@
         <p:txBody>
           <a:bodyPr wrap="square" lIns="0" tIns="0" rIns="0" bIns="0" rtlCol="0"/>
           <a:lstStyle/>
-          <a:p/>
+          <a:p>
+            <a:endParaRPr/>
+          </a:p>
         </p:txBody>
       </p:sp>
       <p:grpSp>
@@ -3032,7 +2328,9 @@
           <p:txBody>
             <a:bodyPr wrap="square" lIns="0" tIns="0" rIns="0" bIns="0" rtlCol="0"/>
             <a:lstStyle/>
-            <a:p/>
+            <a:p>
+              <a:endParaRPr/>
+            </a:p>
           </p:txBody>
         </p:sp>
         <p:sp>
@@ -4142,7 +3440,9 @@
           <p:txBody>
             <a:bodyPr wrap="square" lIns="0" tIns="0" rIns="0" bIns="0" rtlCol="0"/>
             <a:lstStyle/>
-            <a:p/>
+            <a:p>
+              <a:endParaRPr/>
+            </a:p>
           </p:txBody>
         </p:sp>
       </p:grpSp>
@@ -4161,7 +3461,9 @@
             <a:off x="3454400" y="1168400"/>
             <a:ext cx="7962900" cy="1879600"/>
           </a:xfrm>
-          <a:prstGeom prst="rect"/>
+          <a:prstGeom prst="rect">
+            <a:avLst/>
+          </a:prstGeom>
           <a:ln w="25400">
             <a:solidFill>
               <a:srgbClr val="404040"/>
@@ -4169,7 +3471,7 @@
           </a:ln>
         </p:spPr>
         <p:txBody>
-          <a:bodyPr wrap="square" lIns="0" tIns="0" rIns="0" bIns="0" rtlCol="0" vert="horz">
+          <a:bodyPr vert="horz" wrap="square" lIns="0" tIns="0" rIns="0" bIns="0" rtlCol="0">
             <a:spAutoFit/>
           </a:bodyPr>
           <a:lstStyle/>
@@ -4213,7 +3515,7 @@
               </a:tabLst>
             </a:pPr>
             <a:r>
-              <a:rPr dirty="0" sz="2000" spc="-360">
+              <a:rPr sz="2000" spc="-360" dirty="0">
                 <a:solidFill>
                   <a:srgbClr val="FFFFFF"/>
                 </a:solidFill>
@@ -4221,7 +3523,7 @@
               <a:t>#1	</a:t>
             </a:r>
             <a:r>
-              <a:rPr dirty="0" sz="2000" spc="-145">
+              <a:rPr sz="2000" spc="-145" dirty="0">
                 <a:solidFill>
                   <a:srgbClr val="FFFFFF"/>
                 </a:solidFill>
@@ -4229,7 +3531,7 @@
               <a:t>#2	</a:t>
             </a:r>
             <a:r>
-              <a:rPr dirty="0" sz="2000" spc="-140">
+              <a:rPr sz="2000" spc="-140" dirty="0">
                 <a:solidFill>
                   <a:srgbClr val="FFFFFF"/>
                 </a:solidFill>
@@ -4237,7 +3539,7 @@
               <a:t>#3	</a:t>
             </a:r>
             <a:r>
-              <a:rPr dirty="0" sz="2000" spc="-75">
+              <a:rPr sz="2000" spc="-75" dirty="0">
                 <a:solidFill>
                   <a:srgbClr val="FFFFFF"/>
                 </a:solidFill>
@@ -4545,7 +3847,9 @@
         <p:txBody>
           <a:bodyPr wrap="square" lIns="0" tIns="0" rIns="0" bIns="0" rtlCol="0"/>
           <a:lstStyle/>
-          <a:p/>
+          <a:p>
+            <a:endParaRPr/>
+          </a:p>
         </p:txBody>
       </p:sp>
       <p:sp>
@@ -4845,7 +4149,9 @@
         <p:txBody>
           <a:bodyPr wrap="square" lIns="0" tIns="0" rIns="0" bIns="0" rtlCol="0"/>
           <a:lstStyle/>
-          <a:p/>
+          <a:p>
+            <a:endParaRPr/>
+          </a:p>
         </p:txBody>
       </p:sp>
       <p:sp>
@@ -5145,7 +4451,9 @@
         <p:txBody>
           <a:bodyPr wrap="square" lIns="0" tIns="0" rIns="0" bIns="0" rtlCol="0"/>
           <a:lstStyle/>
-          <a:p/>
+          <a:p>
+            <a:endParaRPr/>
+          </a:p>
         </p:txBody>
       </p:sp>
       <p:sp>
@@ -5445,7 +4753,9 @@
         <p:txBody>
           <a:bodyPr wrap="square" lIns="0" tIns="0" rIns="0" bIns="0" rtlCol="0"/>
           <a:lstStyle/>
-          <a:p/>
+          <a:p>
+            <a:endParaRPr/>
+          </a:p>
         </p:txBody>
       </p:sp>
       <p:sp>
@@ -5469,7 +4779,7 @@
           </a:ln>
         </p:spPr>
         <p:txBody>
-          <a:bodyPr wrap="square" lIns="0" tIns="0" rIns="0" bIns="0" rtlCol="0" vert="horz">
+          <a:bodyPr vert="horz" wrap="square" lIns="0" tIns="0" rIns="0" bIns="0" rtlCol="0">
             <a:spAutoFit/>
           </a:bodyPr>
           <a:lstStyle/>
@@ -5510,7 +4820,7 @@
               </a:tabLst>
             </a:pPr>
             <a:r>
-              <a:rPr dirty="0" sz="2000" spc="-135">
+              <a:rPr sz="2000" spc="-135" dirty="0">
                 <a:solidFill>
                   <a:srgbClr val="FFFFFF"/>
                 </a:solidFill>
@@ -5520,7 +4830,7 @@
               <a:t>#5	</a:t>
             </a:r>
             <a:r>
-              <a:rPr dirty="0" sz="2000" spc="-100">
+              <a:rPr sz="2000" spc="-100" dirty="0">
                 <a:solidFill>
                   <a:srgbClr val="FFFFFF"/>
                 </a:solidFill>
@@ -5530,7 +4840,7 @@
               <a:t>#6	</a:t>
             </a:r>
             <a:r>
-              <a:rPr dirty="0" sz="2000" spc="-150">
+              <a:rPr sz="2000" spc="-150" dirty="0">
                 <a:solidFill>
                   <a:srgbClr val="FFFFFF"/>
                 </a:solidFill>
@@ -5540,7 +4850,7 @@
               <a:t>#7	</a:t>
             </a:r>
             <a:r>
-              <a:rPr dirty="0" sz="2000" spc="-125">
+              <a:rPr sz="2000" spc="-125" dirty="0">
                 <a:solidFill>
                   <a:srgbClr val="FFFFFF"/>
                 </a:solidFill>
@@ -5574,7 +4884,7 @@
             <a:cxnLst/>
             <a:rect l="l" t="t" r="r" b="b"/>
             <a:pathLst>
-              <a:path w="0" h="5638800">
+              <a:path h="5638800">
                 <a:moveTo>
                   <a:pt x="0" y="0"/>
                 </a:moveTo>
@@ -5593,7 +4903,9 @@
         <p:txBody>
           <a:bodyPr wrap="square" lIns="0" tIns="0" rIns="0" bIns="0" rtlCol="0"/>
           <a:lstStyle/>
-          <a:p/>
+          <a:p>
+            <a:endParaRPr/>
+          </a:p>
         </p:txBody>
       </p:sp>
       <p:sp>
@@ -5641,7 +4953,9 @@
         <p:txBody>
           <a:bodyPr wrap="square" lIns="0" tIns="0" rIns="0" bIns="0" rtlCol="0"/>
           <a:lstStyle/>
-          <a:p/>
+          <a:p>
+            <a:endParaRPr/>
+          </a:p>
         </p:txBody>
       </p:sp>
       <p:sp>
@@ -5660,7 +4974,7 @@
           </a:prstGeom>
         </p:spPr>
         <p:txBody>
-          <a:bodyPr wrap="square" lIns="0" tIns="14604" rIns="0" bIns="0" rtlCol="0" vert="vert270">
+          <a:bodyPr vert="vert270" wrap="square" lIns="0" tIns="14604" rIns="0" bIns="0" rtlCol="0">
             <a:spAutoFit/>
           </a:bodyPr>
           <a:lstStyle/>
@@ -5674,7 +4988,7 @@
               </a:spcBef>
             </a:pPr>
             <a:r>
-              <a:rPr dirty="0" sz="2000">
+              <a:rPr sz="2000" dirty="0">
                 <a:solidFill>
                   <a:srgbClr val="FFFFFF"/>
                 </a:solidFill>
@@ -5684,37 +4998,27 @@
               <a:t>Ma</a:t>
             </a:r>
             <a:r>
-              <a:rPr dirty="0" sz="2000" spc="-25">
+              <a:rPr sz="2000" spc="-25" dirty="0">
                 <a:solidFill>
                   <a:srgbClr val="FFFFFF"/>
                 </a:solidFill>
                 <a:latin typeface="Verdana"/>
                 <a:cs typeface="Verdana"/>
               </a:rPr>
-              <a:t>s</a:t>
-            </a:r>
-            <a:r>
-              <a:rPr dirty="0" sz="2000" spc="-25">
+              <a:t>st</a:t>
+            </a:r>
+            <a:r>
+              <a:rPr sz="2000" spc="5" dirty="0">
                 <a:solidFill>
                   <a:srgbClr val="FFFFFF"/>
                 </a:solidFill>
                 <a:latin typeface="Verdana"/>
                 <a:cs typeface="Verdana"/>
               </a:rPr>
-              <a:t>t</a:t>
-            </a:r>
-            <a:r>
-              <a:rPr dirty="0" sz="2000" spc="5">
-                <a:solidFill>
-                  <a:srgbClr val="FFFFFF"/>
-                </a:solidFill>
-                <a:latin typeface="Verdana"/>
-                <a:cs typeface="Verdana"/>
-              </a:rPr>
               <a:t>e</a:t>
             </a:r>
             <a:r>
-              <a:rPr dirty="0" sz="2000">
+              <a:rPr sz="2000" dirty="0">
                 <a:solidFill>
                   <a:srgbClr val="FFFFFF"/>
                 </a:solidFill>
@@ -5814,7 +5118,9 @@
           <p:txBody>
             <a:bodyPr wrap="square" lIns="0" tIns="0" rIns="0" bIns="0" rtlCol="0"/>
             <a:lstStyle/>
-            <a:p/>
+            <a:p>
+              <a:endParaRPr/>
+            </a:p>
           </p:txBody>
         </p:sp>
         <p:sp>
@@ -6924,7 +6230,9 @@
           <p:txBody>
             <a:bodyPr wrap="square" lIns="0" tIns="0" rIns="0" bIns="0" rtlCol="0"/>
             <a:lstStyle/>
-            <a:p/>
+            <a:p>
+              <a:endParaRPr/>
+            </a:p>
           </p:txBody>
         </p:sp>
       </p:grpSp>
@@ -6943,7 +6251,9 @@
             <a:off x="3470582" y="2438400"/>
             <a:ext cx="7962900" cy="1879600"/>
           </a:xfrm>
-          <a:prstGeom prst="rect"/>
+          <a:prstGeom prst="rect">
+            <a:avLst/>
+          </a:prstGeom>
           <a:ln w="25400">
             <a:solidFill>
               <a:srgbClr val="404040"/>
@@ -6951,7 +6261,7 @@
           </a:ln>
         </p:spPr>
         <p:txBody>
-          <a:bodyPr wrap="square" lIns="0" tIns="0" rIns="0" bIns="0" rtlCol="0" vert="horz">
+          <a:bodyPr vert="horz" wrap="square" lIns="0" tIns="0" rIns="0" bIns="0" rtlCol="0">
             <a:spAutoFit/>
           </a:bodyPr>
           <a:lstStyle/>
@@ -6992,7 +6302,7 @@
               </a:tabLst>
             </a:pPr>
             <a:r>
-              <a:rPr dirty="0" sz="2000" spc="-360">
+              <a:rPr sz="2000" spc="-360" dirty="0">
                 <a:solidFill>
                   <a:srgbClr val="FFFFFF"/>
                 </a:solidFill>
@@ -7000,7 +6310,7 @@
               <a:t>#1	</a:t>
             </a:r>
             <a:r>
-              <a:rPr dirty="0" sz="2000" spc="-145">
+              <a:rPr sz="2000" spc="-145" dirty="0">
                 <a:solidFill>
                   <a:srgbClr val="FFFFFF"/>
                 </a:solidFill>
@@ -7008,7 +6318,7 @@
               <a:t>#2	</a:t>
             </a:r>
             <a:r>
-              <a:rPr dirty="0" sz="2000" spc="-140">
+              <a:rPr sz="2000" spc="-140" dirty="0">
                 <a:solidFill>
                   <a:srgbClr val="FFFFFF"/>
                 </a:solidFill>
@@ -7016,7 +6326,7 @@
               <a:t>#3	</a:t>
             </a:r>
             <a:r>
-              <a:rPr dirty="0" sz="2000" spc="-75">
+              <a:rPr sz="2000" spc="-75" dirty="0">
                 <a:solidFill>
                   <a:srgbClr val="FFFFFF"/>
                 </a:solidFill>
@@ -7045,7 +6355,7 @@
             <a:cxnLst/>
             <a:rect l="l" t="t" r="r" b="b"/>
             <a:pathLst>
-              <a:path w="0" h="5638800">
+              <a:path h="5638800">
                 <a:moveTo>
                   <a:pt x="0" y="0"/>
                 </a:moveTo>
@@ -7064,7 +6374,9 @@
         <p:txBody>
           <a:bodyPr wrap="square" lIns="0" tIns="0" rIns="0" bIns="0" rtlCol="0"/>
           <a:lstStyle/>
-          <a:p/>
+          <a:p>
+            <a:endParaRPr/>
+          </a:p>
         </p:txBody>
       </p:sp>
       <p:sp>
@@ -7112,7 +6424,9 @@
         <p:txBody>
           <a:bodyPr wrap="square" lIns="0" tIns="0" rIns="0" bIns="0" rtlCol="0"/>
           <a:lstStyle/>
-          <a:p/>
+          <a:p>
+            <a:endParaRPr/>
+          </a:p>
         </p:txBody>
       </p:sp>
       <p:sp>
@@ -7131,7 +6445,7 @@
           </a:prstGeom>
         </p:spPr>
         <p:txBody>
-          <a:bodyPr wrap="square" lIns="0" tIns="14604" rIns="0" bIns="0" rtlCol="0" vert="vert270">
+          <a:bodyPr vert="vert270" wrap="square" lIns="0" tIns="14604" rIns="0" bIns="0" rtlCol="0">
             <a:spAutoFit/>
           </a:bodyPr>
           <a:lstStyle/>
@@ -7145,7 +6459,7 @@
               </a:spcBef>
             </a:pPr>
             <a:r>
-              <a:rPr dirty="0" sz="2000">
+              <a:rPr sz="2000" dirty="0">
                 <a:solidFill>
                   <a:srgbClr val="FFFFFF"/>
                 </a:solidFill>
@@ -7155,37 +6469,27 @@
               <a:t>Ma</a:t>
             </a:r>
             <a:r>
-              <a:rPr dirty="0" sz="2000" spc="-25">
+              <a:rPr sz="2000" spc="-25" dirty="0">
                 <a:solidFill>
                   <a:srgbClr val="FFFFFF"/>
                 </a:solidFill>
                 <a:latin typeface="Verdana"/>
                 <a:cs typeface="Verdana"/>
               </a:rPr>
-              <a:t>s</a:t>
-            </a:r>
-            <a:r>
-              <a:rPr dirty="0" sz="2000" spc="-25">
+              <a:t>st</a:t>
+            </a:r>
+            <a:r>
+              <a:rPr sz="2000" spc="5" dirty="0">
                 <a:solidFill>
                   <a:srgbClr val="FFFFFF"/>
                 </a:solidFill>
                 <a:latin typeface="Verdana"/>
                 <a:cs typeface="Verdana"/>
               </a:rPr>
-              <a:t>t</a:t>
-            </a:r>
-            <a:r>
-              <a:rPr dirty="0" sz="2000" spc="5">
-                <a:solidFill>
-                  <a:srgbClr val="FFFFFF"/>
-                </a:solidFill>
-                <a:latin typeface="Verdana"/>
-                <a:cs typeface="Verdana"/>
-              </a:rPr>
               <a:t>e</a:t>
             </a:r>
             <a:r>
-              <a:rPr dirty="0" sz="2000">
+              <a:rPr sz="2000" dirty="0">
                 <a:solidFill>
                   <a:srgbClr val="FFFFFF"/>
                 </a:solidFill>
@@ -7307,7 +6611,9 @@
           <p:txBody>
             <a:bodyPr wrap="square" lIns="0" tIns="0" rIns="0" bIns="0" rtlCol="0"/>
             <a:lstStyle/>
-            <a:p/>
+            <a:p>
+              <a:endParaRPr/>
+            </a:p>
           </p:txBody>
         </p:sp>
         <p:sp>
@@ -7607,7 +6913,9 @@
           <p:txBody>
             <a:bodyPr wrap="square" lIns="0" tIns="0" rIns="0" bIns="0" rtlCol="0"/>
             <a:lstStyle/>
-            <a:p/>
+            <a:p>
+              <a:endParaRPr/>
+            </a:p>
           </p:txBody>
         </p:sp>
       </p:grpSp>
@@ -7632,7 +6940,7 @@
           </a:ln>
         </p:spPr>
         <p:txBody>
-          <a:bodyPr wrap="square" lIns="0" tIns="0" rIns="0" bIns="0" rtlCol="0" vert="vert">
+          <a:bodyPr vert="vert" wrap="square" lIns="0" tIns="0" rIns="0" bIns="0" rtlCol="0">
             <a:spAutoFit/>
           </a:bodyPr>
           <a:lstStyle/>
@@ -7668,7 +6976,7 @@
               </a:lnSpc>
             </a:pPr>
             <a:r>
-              <a:rPr dirty="0" sz="2000" spc="-360">
+              <a:rPr sz="2000" spc="-360" dirty="0">
                 <a:solidFill>
                   <a:srgbClr val="FFFFFF"/>
                 </a:solidFill>
@@ -7702,7 +7010,7 @@
             <a:cxnLst/>
             <a:rect l="l" t="t" r="r" b="b"/>
             <a:pathLst>
-              <a:path w="5638800" h="0">
+              <a:path w="5638800">
                 <a:moveTo>
                   <a:pt x="5638800" y="0"/>
                 </a:moveTo>
@@ -7721,7 +7029,9 @@
         <p:txBody>
           <a:bodyPr wrap="square" lIns="0" tIns="0" rIns="0" bIns="0" rtlCol="0"/>
           <a:lstStyle/>
-          <a:p/>
+          <a:p>
+            <a:endParaRPr/>
+          </a:p>
         </p:txBody>
       </p:sp>
       <p:sp>
@@ -7743,7 +7053,7 @@
           </a:solidFill>
         </p:spPr>
         <p:txBody>
-          <a:bodyPr wrap="square" lIns="0" tIns="5715" rIns="0" bIns="0" rtlCol="0" vert="horz">
+          <a:bodyPr vert="horz" wrap="square" lIns="0" tIns="5715" rIns="0" bIns="0" rtlCol="0">
             <a:spAutoFit/>
           </a:bodyPr>
           <a:lstStyle/>
@@ -7762,13 +7072,13 @@
             </a:endParaRPr>
           </a:p>
           <a:p>
-            <a:pPr algn="ctr" marL="1905">
+            <a:pPr marL="1905" algn="ctr">
               <a:lnSpc>
                 <a:spcPct val="100000"/>
               </a:lnSpc>
             </a:pPr>
             <a:r>
-              <a:rPr dirty="0" sz="2000" spc="-10">
+              <a:rPr sz="2000" spc="-10" dirty="0">
                 <a:solidFill>
                   <a:srgbClr val="FFFFFF"/>
                 </a:solidFill>
@@ -7793,169 +7103,6 @@
 </file>
 
 <file path=ppt/slides/slide15.xml><?xml version="1.0" encoding="utf-8"?>
-<p:sld xmlns:a="http://schemas.openxmlformats.org/drawingml/2006/main" xmlns:r="http://schemas.openxmlformats.org/officeDocument/2006/relationships" xmlns:p="http://schemas.openxmlformats.org/presentationml/2006/main" showMasterSp="0">
-  <p:cSld>
-    <p:spTree>
-      <p:nvGrpSpPr>
-        <p:cNvPr id="1" name=""/>
-        <p:cNvGrpSpPr/>
-        <p:nvPr/>
-      </p:nvGrpSpPr>
-      <p:grpSpPr>
-        <a:xfrm>
-          <a:off x="0" y="0"/>
-          <a:ext cx="0" cy="0"/>
-          <a:chOff x="0" y="0"/>
-          <a:chExt cx="0" cy="0"/>
-        </a:xfrm>
-      </p:grpSpPr>
-      <p:sp>
-        <p:nvSpPr>
-          <p:cNvPr id="2" name="object 2"/>
-          <p:cNvSpPr/>
-          <p:nvPr/>
-        </p:nvSpPr>
-        <p:spPr>
-          <a:xfrm>
-            <a:off x="0" y="0"/>
-            <a:ext cx="12192000" cy="6858000"/>
-          </a:xfrm>
-          <a:custGeom>
-            <a:avLst/>
-            <a:gdLst/>
-            <a:ahLst/>
-            <a:cxnLst/>
-            <a:rect l="l" t="t" r="r" b="b"/>
-            <a:pathLst>
-              <a:path w="12192000" h="6858000">
-                <a:moveTo>
-                  <a:pt x="12192000" y="0"/>
-                </a:moveTo>
-                <a:lnTo>
-                  <a:pt x="0" y="0"/>
-                </a:lnTo>
-                <a:lnTo>
-                  <a:pt x="0" y="6857999"/>
-                </a:lnTo>
-                <a:lnTo>
-                  <a:pt x="12192000" y="6857999"/>
-                </a:lnTo>
-                <a:lnTo>
-                  <a:pt x="12192000" y="0"/>
-                </a:lnTo>
-                <a:close/>
-              </a:path>
-            </a:pathLst>
-          </a:custGeom>
-          <a:solidFill>
-            <a:srgbClr val="171717"/>
-          </a:solidFill>
-        </p:spPr>
-        <p:txBody>
-          <a:bodyPr wrap="square" lIns="0" tIns="0" rIns="0" bIns="0" rtlCol="0"/>
-          <a:lstStyle/>
-          <a:p/>
-        </p:txBody>
-      </p:sp>
-      <p:pic>
-        <p:nvPicPr>
-          <p:cNvPr id="3" name="object 3"/>
-          <p:cNvPicPr/>
-          <p:nvPr/>
-        </p:nvPicPr>
-        <p:blipFill>
-          <a:blip r:embed="rId2" cstate="print"/>
-          <a:stretch>
-            <a:fillRect/>
-          </a:stretch>
-        </p:blipFill>
-        <p:spPr>
-          <a:xfrm>
-            <a:off x="11494007" y="6184391"/>
-            <a:ext cx="454151" cy="451104"/>
-          </a:xfrm>
-          <a:prstGeom prst="rect">
-            <a:avLst/>
-          </a:prstGeom>
-        </p:spPr>
-      </p:pic>
-      <p:pic>
-        <p:nvPicPr>
-          <p:cNvPr id="4" name="object 4"/>
-          <p:cNvPicPr/>
-          <p:nvPr/>
-        </p:nvPicPr>
-        <p:blipFill>
-          <a:blip r:embed="rId3" cstate="print"/>
-          <a:stretch>
-            <a:fillRect/>
-          </a:stretch>
-        </p:blipFill>
-        <p:spPr>
-          <a:xfrm>
-            <a:off x="0" y="0"/>
-            <a:ext cx="12192000" cy="5299975"/>
-          </a:xfrm>
-          <a:prstGeom prst="rect">
-            <a:avLst/>
-          </a:prstGeom>
-        </p:spPr>
-      </p:pic>
-      <p:sp>
-        <p:nvSpPr>
-          <p:cNvPr id="5" name="object 5"/>
-          <p:cNvSpPr txBox="1"/>
-          <p:nvPr/>
-        </p:nvSpPr>
-        <p:spPr>
-          <a:xfrm>
-            <a:off x="329878" y="6086347"/>
-            <a:ext cx="3412490" cy="391160"/>
-          </a:xfrm>
-          <a:prstGeom prst="rect">
-            <a:avLst/>
-          </a:prstGeom>
-        </p:spPr>
-        <p:txBody>
-          <a:bodyPr wrap="square" lIns="0" tIns="12700" rIns="0" bIns="0" rtlCol="0" vert="horz">
-            <a:spAutoFit/>
-          </a:bodyPr>
-          <a:lstStyle/>
-          <a:p>
-            <a:pPr marL="12700">
-              <a:lnSpc>
-                <a:spcPct val="100000"/>
-              </a:lnSpc>
-              <a:spcBef>
-                <a:spcPts val="100"/>
-              </a:spcBef>
-            </a:pPr>
-            <a:r>
-              <a:rPr dirty="0" sz="2400" spc="-30">
-                <a:solidFill>
-                  <a:srgbClr val="FFFFFF"/>
-                </a:solidFill>
-                <a:latin typeface="Verdana"/>
-                <a:cs typeface="Verdana"/>
-              </a:rPr>
-              <a:t>samer.dev/adv-nodejs</a:t>
-            </a:r>
-            <a:endParaRPr sz="2400">
-              <a:latin typeface="Verdana"/>
-              <a:cs typeface="Verdana"/>
-            </a:endParaRPr>
-          </a:p>
-        </p:txBody>
-      </p:sp>
-    </p:spTree>
-  </p:cSld>
-  <p:clrMapOvr>
-    <a:masterClrMapping/>
-  </p:clrMapOvr>
-</p:sld>
-</file>
-
-<file path=ppt/slides/slide16.xml><?xml version="1.0" encoding="utf-8"?>
 <p:sld xmlns:a="http://schemas.openxmlformats.org/drawingml/2006/main" xmlns:r="http://schemas.openxmlformats.org/officeDocument/2006/relationships" xmlns:p="http://schemas.openxmlformats.org/presentationml/2006/main">
   <p:cSld>
     <p:spTree>
@@ -8002,7 +7149,7 @@
 </p:sld>
 </file>
 
-<file path=ppt/slides/slide17.xml><?xml version="1.0" encoding="utf-8"?>
+<file path=ppt/slides/slide16.xml><?xml version="1.0" encoding="utf-8"?>
 <p:sld xmlns:a="http://schemas.openxmlformats.org/drawingml/2006/main" xmlns:r="http://schemas.openxmlformats.org/officeDocument/2006/relationships" xmlns:p="http://schemas.openxmlformats.org/presentationml/2006/main">
   <p:cSld>
     <p:spTree>
@@ -8034,10 +7181,12 @@
             <a:off x="4418830" y="2718308"/>
             <a:ext cx="6988175" cy="574040"/>
           </a:xfrm>
-          <a:prstGeom prst="rect"/>
+          <a:prstGeom prst="rect">
+            <a:avLst/>
+          </a:prstGeom>
         </p:spPr>
         <p:txBody>
-          <a:bodyPr wrap="square" lIns="0" tIns="12700" rIns="0" bIns="0" rtlCol="0" vert="horz">
+          <a:bodyPr vert="horz" wrap="square" lIns="0" tIns="12700" rIns="0" bIns="0" rtlCol="0">
             <a:spAutoFit/>
           </a:bodyPr>
           <a:lstStyle/>
@@ -8051,24 +7200,97 @@
               </a:spcBef>
             </a:pPr>
             <a:r>
-              <a:rPr dirty="0" spc="40"/>
+              <a:rPr spc="40" dirty="0"/>
               <a:t>Node’s</a:t>
             </a:r>
             <a:r>
-              <a:rPr dirty="0" spc="-225"/>
+              <a:rPr spc="-225" dirty="0"/>
               <a:t> </a:t>
             </a:r>
             <a:r>
-              <a:rPr dirty="0" spc="15"/>
+              <a:rPr spc="15" dirty="0"/>
               <a:t>Asynchronous</a:t>
             </a:r>
             <a:r>
-              <a:rPr dirty="0" spc="-225"/>
+              <a:rPr spc="-225" dirty="0"/>
               <a:t> </a:t>
             </a:r>
             <a:r>
-              <a:rPr dirty="0" spc="-20"/>
+              <a:rPr spc="-20" dirty="0"/>
               <a:t>Patterns</a:t>
+            </a:r>
+          </a:p>
+        </p:txBody>
+      </p:sp>
+    </p:spTree>
+  </p:cSld>
+  <p:clrMapOvr>
+    <a:masterClrMapping/>
+  </p:clrMapOvr>
+</p:sld>
+</file>
+
+<file path=ppt/slides/slide17.xml><?xml version="1.0" encoding="utf-8"?>
+<p:sld xmlns:a="http://schemas.openxmlformats.org/drawingml/2006/main" xmlns:r="http://schemas.openxmlformats.org/officeDocument/2006/relationships" xmlns:p="http://schemas.openxmlformats.org/presentationml/2006/main">
+  <p:cSld>
+    <p:spTree>
+      <p:nvGrpSpPr>
+        <p:cNvPr id="1" name=""/>
+        <p:cNvGrpSpPr/>
+        <p:nvPr/>
+      </p:nvGrpSpPr>
+      <p:grpSpPr>
+        <a:xfrm>
+          <a:off x="0" y="0"/>
+          <a:ext cx="0" cy="0"/>
+          <a:chOff x="0" y="0"/>
+          <a:chExt cx="0" cy="0"/>
+        </a:xfrm>
+      </p:grpSpPr>
+      <p:sp>
+        <p:nvSpPr>
+          <p:cNvPr id="2" name="object 2"/>
+          <p:cNvSpPr txBox="1">
+            <a:spLocks noGrp="1"/>
+          </p:cNvSpPr>
+          <p:nvPr>
+            <p:ph type="title"/>
+          </p:nvPr>
+        </p:nvSpPr>
+        <p:spPr>
+          <a:xfrm>
+            <a:off x="6606023" y="2718308"/>
+            <a:ext cx="4799965" cy="574040"/>
+          </a:xfrm>
+          <a:prstGeom prst="rect">
+            <a:avLst/>
+          </a:prstGeom>
+        </p:spPr>
+        <p:txBody>
+          <a:bodyPr vert="horz" wrap="square" lIns="0" tIns="12700" rIns="0" bIns="0" rtlCol="0">
+            <a:spAutoFit/>
+          </a:bodyPr>
+          <a:lstStyle/>
+          <a:p>
+            <a:pPr marL="12700">
+              <a:lnSpc>
+                <a:spcPct val="100000"/>
+              </a:lnSpc>
+              <a:spcBef>
+                <a:spcPts val="100"/>
+              </a:spcBef>
+            </a:pPr>
+            <a:r>
+              <a:rPr spc="75" dirty="0"/>
+              <a:t>ECMAScript</a:t>
+            </a:r>
+            <a:r>
+              <a:rPr spc="-254" dirty="0"/>
+              <a:t> </a:t>
+            </a:r>
+            <a:r>
+              <a:rPr spc="20" dirty="0"/>
+              <a:t>Modules</a:t>
             </a:r>
           </a:p>
         </p:txBody>
@@ -8110,13 +7332,15 @@
         </p:nvSpPr>
         <p:spPr>
           <a:xfrm>
-            <a:off x="6606023" y="2718308"/>
-            <a:ext cx="4799965" cy="574040"/>
+            <a:off x="8045569" y="2718308"/>
+            <a:ext cx="3361054" cy="574040"/>
           </a:xfrm>
-          <a:prstGeom prst="rect"/>
+          <a:prstGeom prst="rect">
+            <a:avLst/>
+          </a:prstGeom>
         </p:spPr>
         <p:txBody>
-          <a:bodyPr wrap="square" lIns="0" tIns="12700" rIns="0" bIns="0" rtlCol="0" vert="horz">
+          <a:bodyPr vert="horz" wrap="square" lIns="0" tIns="12700" rIns="0" bIns="0" rtlCol="0">
             <a:spAutoFit/>
           </a:bodyPr>
           <a:lstStyle/>
@@ -8130,16 +7354,16 @@
               </a:spcBef>
             </a:pPr>
             <a:r>
-              <a:rPr dirty="0" spc="75"/>
-              <a:t>ECMAScript</a:t>
-            </a:r>
-            <a:r>
-              <a:rPr dirty="0" spc="-254"/>
+              <a:rPr spc="-20" dirty="0"/>
+              <a:t>Event</a:t>
+            </a:r>
+            <a:r>
+              <a:rPr spc="-240" dirty="0"/>
               <a:t> </a:t>
             </a:r>
             <a:r>
-              <a:rPr dirty="0" spc="20"/>
-              <a:t>Modules</a:t>
+              <a:rPr spc="-25" dirty="0"/>
+              <a:t>Emitters</a:t>
             </a:r>
           </a:p>
         </p:txBody>
@@ -8169,9 +7393,31 @@
           <a:chExt cx="0" cy="0"/>
         </a:xfrm>
       </p:grpSpPr>
+      <p:pic>
+        <p:nvPicPr>
+          <p:cNvPr id="2" name="object 2"/>
+          <p:cNvPicPr/>
+          <p:nvPr/>
+        </p:nvPicPr>
+        <p:blipFill>
+          <a:blip r:embed="rId2" cstate="print"/>
+          <a:stretch>
+            <a:fillRect/>
+          </a:stretch>
+        </p:blipFill>
+        <p:spPr>
+          <a:xfrm>
+            <a:off x="0" y="0"/>
+            <a:ext cx="4635500" cy="6858000"/>
+          </a:xfrm>
+          <a:prstGeom prst="rect">
+            <a:avLst/>
+          </a:prstGeom>
+        </p:spPr>
+      </p:pic>
       <p:sp>
         <p:nvSpPr>
-          <p:cNvPr id="2" name="object 2"/>
+          <p:cNvPr id="3" name="object 3"/>
           <p:cNvSpPr txBox="1">
             <a:spLocks noGrp="1"/>
           </p:cNvSpPr>
@@ -8181,13 +7427,15 @@
         </p:nvSpPr>
         <p:spPr>
           <a:xfrm>
-            <a:off x="8045569" y="2718308"/>
-            <a:ext cx="3361054" cy="574040"/>
+            <a:off x="5226048" y="737107"/>
+            <a:ext cx="2230120" cy="988694"/>
           </a:xfrm>
-          <a:prstGeom prst="rect"/>
+          <a:prstGeom prst="rect">
+            <a:avLst/>
+          </a:prstGeom>
         </p:spPr>
         <p:txBody>
-          <a:bodyPr wrap="square" lIns="0" tIns="12700" rIns="0" bIns="0" rtlCol="0" vert="horz">
+          <a:bodyPr vert="horz" wrap="square" lIns="0" tIns="12700" rIns="0" bIns="0" rtlCol="0">
             <a:spAutoFit/>
           </a:bodyPr>
           <a:lstStyle/>
@@ -8201,17 +7449,422 @@
               </a:spcBef>
             </a:pPr>
             <a:r>
-              <a:rPr dirty="0" spc="-20"/>
-              <a:t>Event</a:t>
-            </a:r>
-            <a:r>
-              <a:rPr dirty="0" spc="-240"/>
+              <a:rPr sz="2400" spc="85" dirty="0">
+                <a:solidFill>
+                  <a:srgbClr val="F05A28"/>
+                </a:solidFill>
+              </a:rPr>
+              <a:t>Node</a:t>
+            </a:r>
+            <a:r>
+              <a:rPr sz="2400" spc="-204" dirty="0">
+                <a:solidFill>
+                  <a:srgbClr val="F05A28"/>
+                </a:solidFill>
+              </a:rPr>
               <a:t> </a:t>
             </a:r>
             <a:r>
-              <a:rPr dirty="0" spc="-25"/>
-              <a:t>Emitters</a:t>
-            </a:r>
+              <a:rPr sz="2400" spc="35" dirty="0">
+                <a:solidFill>
+                  <a:srgbClr val="F05A28"/>
+                </a:solidFill>
+              </a:rPr>
+              <a:t>Modules</a:t>
+            </a:r>
+            <a:endParaRPr sz="2400"/>
+          </a:p>
+          <a:p>
+            <a:pPr marL="12700">
+              <a:lnSpc>
+                <a:spcPct val="100000"/>
+              </a:lnSpc>
+              <a:spcBef>
+                <a:spcPts val="1825"/>
+              </a:spcBef>
+            </a:pPr>
+            <a:r>
+              <a:rPr sz="2400" spc="-5" dirty="0">
+                <a:solidFill>
+                  <a:srgbClr val="F05A28"/>
+                </a:solidFill>
+              </a:rPr>
+              <a:t>Types</a:t>
+            </a:r>
+            <a:r>
+              <a:rPr sz="2400" spc="-145" dirty="0">
+                <a:solidFill>
+                  <a:srgbClr val="F05A28"/>
+                </a:solidFill>
+              </a:rPr>
+              <a:t> </a:t>
+            </a:r>
+            <a:r>
+              <a:rPr sz="2400" spc="85" dirty="0">
+                <a:solidFill>
+                  <a:srgbClr val="F05A28"/>
+                </a:solidFill>
+              </a:rPr>
+              <a:t>of</a:t>
+            </a:r>
+            <a:r>
+              <a:rPr sz="2400" spc="-150" dirty="0">
+                <a:solidFill>
+                  <a:srgbClr val="F05A28"/>
+                </a:solidFill>
+              </a:rPr>
+              <a:t> </a:t>
+            </a:r>
+            <a:r>
+              <a:rPr sz="2400" spc="25" dirty="0">
+                <a:solidFill>
+                  <a:srgbClr val="F05A28"/>
+                </a:solidFill>
+              </a:rPr>
+              <a:t>APIs</a:t>
+            </a:r>
+            <a:endParaRPr sz="2400"/>
+          </a:p>
+        </p:txBody>
+      </p:sp>
+      <p:sp>
+        <p:nvSpPr>
+          <p:cNvPr id="4" name="object 4"/>
+          <p:cNvSpPr txBox="1"/>
+          <p:nvPr/>
+        </p:nvSpPr>
+        <p:spPr>
+          <a:xfrm>
+            <a:off x="5226048" y="1931923"/>
+            <a:ext cx="3570604" cy="3362960"/>
+          </a:xfrm>
+          <a:prstGeom prst="rect">
+            <a:avLst/>
+          </a:prstGeom>
+        </p:spPr>
+        <p:txBody>
+          <a:bodyPr vert="horz" wrap="square" lIns="0" tIns="12700" rIns="0" bIns="0" rtlCol="0">
+            <a:spAutoFit/>
+          </a:bodyPr>
+          <a:lstStyle/>
+          <a:p>
+            <a:pPr marL="12700">
+              <a:lnSpc>
+                <a:spcPct val="100000"/>
+              </a:lnSpc>
+              <a:spcBef>
+                <a:spcPts val="100"/>
+              </a:spcBef>
+            </a:pPr>
+            <a:r>
+              <a:rPr sz="2400" spc="10" dirty="0">
+                <a:solidFill>
+                  <a:srgbClr val="F05A28"/>
+                </a:solidFill>
+                <a:latin typeface="Verdana"/>
+                <a:cs typeface="Verdana"/>
+              </a:rPr>
+              <a:t>The</a:t>
+            </a:r>
+            <a:r>
+              <a:rPr sz="2400" spc="-145" dirty="0">
+                <a:solidFill>
+                  <a:srgbClr val="F05A28"/>
+                </a:solidFill>
+                <a:latin typeface="Verdana"/>
+                <a:cs typeface="Verdana"/>
+              </a:rPr>
+              <a:t> </a:t>
+            </a:r>
+            <a:r>
+              <a:rPr sz="2400" spc="70" dirty="0">
+                <a:solidFill>
+                  <a:srgbClr val="F05A28"/>
+                </a:solidFill>
+                <a:latin typeface="Verdana"/>
+                <a:cs typeface="Verdana"/>
+              </a:rPr>
+              <a:t>“global”</a:t>
+            </a:r>
+            <a:r>
+              <a:rPr sz="2400" spc="-150" dirty="0">
+                <a:solidFill>
+                  <a:srgbClr val="F05A28"/>
+                </a:solidFill>
+                <a:latin typeface="Verdana"/>
+                <a:cs typeface="Verdana"/>
+              </a:rPr>
+              <a:t> </a:t>
+            </a:r>
+            <a:r>
+              <a:rPr sz="2400" spc="45" dirty="0">
+                <a:solidFill>
+                  <a:srgbClr val="F05A28"/>
+                </a:solidFill>
+                <a:latin typeface="Verdana"/>
+                <a:cs typeface="Verdana"/>
+              </a:rPr>
+              <a:t>Object</a:t>
+            </a:r>
+            <a:endParaRPr sz="2400">
+              <a:latin typeface="Verdana"/>
+              <a:cs typeface="Verdana"/>
+            </a:endParaRPr>
+          </a:p>
+          <a:p>
+            <a:pPr marL="12700" marR="831215">
+              <a:lnSpc>
+                <a:spcPts val="4680"/>
+              </a:lnSpc>
+              <a:spcBef>
+                <a:spcPts val="384"/>
+              </a:spcBef>
+            </a:pPr>
+            <a:r>
+              <a:rPr sz="2400" spc="10" dirty="0">
+                <a:solidFill>
+                  <a:srgbClr val="F05A28"/>
+                </a:solidFill>
+                <a:latin typeface="Verdana"/>
+                <a:cs typeface="Verdana"/>
+              </a:rPr>
+              <a:t>The</a:t>
+            </a:r>
+            <a:r>
+              <a:rPr sz="2400" spc="-150" dirty="0">
+                <a:solidFill>
+                  <a:srgbClr val="F05A28"/>
+                </a:solidFill>
+                <a:latin typeface="Verdana"/>
+                <a:cs typeface="Verdana"/>
+              </a:rPr>
+              <a:t> </a:t>
+            </a:r>
+            <a:r>
+              <a:rPr sz="2400" spc="15" dirty="0">
+                <a:solidFill>
+                  <a:srgbClr val="F05A28"/>
+                </a:solidFill>
+                <a:latin typeface="Verdana"/>
+                <a:cs typeface="Verdana"/>
+              </a:rPr>
+              <a:t>“Event</a:t>
+            </a:r>
+            <a:r>
+              <a:rPr sz="2400" spc="-145" dirty="0">
+                <a:solidFill>
+                  <a:srgbClr val="F05A28"/>
+                </a:solidFill>
+                <a:latin typeface="Verdana"/>
+                <a:cs typeface="Verdana"/>
+              </a:rPr>
+              <a:t> </a:t>
+            </a:r>
+            <a:r>
+              <a:rPr sz="2400" spc="110" dirty="0">
+                <a:solidFill>
+                  <a:srgbClr val="F05A28"/>
+                </a:solidFill>
+                <a:latin typeface="Verdana"/>
+                <a:cs typeface="Verdana"/>
+              </a:rPr>
+              <a:t>Loop” </a:t>
+            </a:r>
+            <a:r>
+              <a:rPr sz="2400" spc="-830" dirty="0">
+                <a:solidFill>
+                  <a:srgbClr val="F05A28"/>
+                </a:solidFill>
+                <a:latin typeface="Verdana"/>
+                <a:cs typeface="Verdana"/>
+              </a:rPr>
+              <a:t> </a:t>
+            </a:r>
+            <a:r>
+              <a:rPr sz="2400" spc="10" dirty="0">
+                <a:solidFill>
+                  <a:srgbClr val="F05A28"/>
+                </a:solidFill>
+                <a:latin typeface="Verdana"/>
+                <a:cs typeface="Verdana"/>
+              </a:rPr>
+              <a:t>Error</a:t>
+            </a:r>
+            <a:r>
+              <a:rPr sz="2400" spc="-140" dirty="0">
+                <a:solidFill>
+                  <a:srgbClr val="F05A28"/>
+                </a:solidFill>
+                <a:latin typeface="Verdana"/>
+                <a:cs typeface="Verdana"/>
+              </a:rPr>
+              <a:t> </a:t>
+            </a:r>
+            <a:r>
+              <a:rPr sz="2400" spc="15" dirty="0">
+                <a:solidFill>
+                  <a:srgbClr val="F05A28"/>
+                </a:solidFill>
+                <a:latin typeface="Verdana"/>
+                <a:cs typeface="Verdana"/>
+              </a:rPr>
+              <a:t>handling</a:t>
+            </a:r>
+            <a:endParaRPr sz="2400">
+              <a:latin typeface="Verdana"/>
+              <a:cs typeface="Verdana"/>
+            </a:endParaRPr>
+          </a:p>
+          <a:p>
+            <a:pPr marL="12700">
+              <a:lnSpc>
+                <a:spcPct val="100000"/>
+              </a:lnSpc>
+              <a:spcBef>
+                <a:spcPts val="1365"/>
+              </a:spcBef>
+            </a:pPr>
+            <a:r>
+              <a:rPr sz="2400" spc="-10" dirty="0">
+                <a:solidFill>
+                  <a:srgbClr val="F05A28"/>
+                </a:solidFill>
+                <a:latin typeface="Verdana"/>
+                <a:cs typeface="Verdana"/>
+              </a:rPr>
+              <a:t>Clusters</a:t>
+            </a:r>
+            <a:endParaRPr sz="2400">
+              <a:latin typeface="Verdana"/>
+              <a:cs typeface="Verdana"/>
+            </a:endParaRPr>
+          </a:p>
+          <a:p>
+            <a:pPr marL="12700" marR="5080">
+              <a:lnSpc>
+                <a:spcPct val="163300"/>
+              </a:lnSpc>
+            </a:pPr>
+            <a:r>
+              <a:rPr sz="2400" spc="15" dirty="0">
+                <a:solidFill>
+                  <a:srgbClr val="F05A28"/>
+                </a:solidFill>
+                <a:latin typeface="Verdana"/>
+                <a:cs typeface="Verdana"/>
+              </a:rPr>
+              <a:t>Asynchronous</a:t>
+            </a:r>
+            <a:r>
+              <a:rPr sz="2400" spc="-155" dirty="0">
+                <a:solidFill>
+                  <a:srgbClr val="F05A28"/>
+                </a:solidFill>
+                <a:latin typeface="Verdana"/>
+                <a:cs typeface="Verdana"/>
+              </a:rPr>
+              <a:t> </a:t>
+            </a:r>
+            <a:r>
+              <a:rPr sz="2400" dirty="0">
+                <a:solidFill>
+                  <a:srgbClr val="F05A28"/>
+                </a:solidFill>
+                <a:latin typeface="Verdana"/>
+                <a:cs typeface="Verdana"/>
+              </a:rPr>
+              <a:t>patterns </a:t>
+            </a:r>
+            <a:r>
+              <a:rPr sz="2400" spc="-825" dirty="0">
+                <a:solidFill>
+                  <a:srgbClr val="F05A28"/>
+                </a:solidFill>
+                <a:latin typeface="Verdana"/>
+                <a:cs typeface="Verdana"/>
+              </a:rPr>
+              <a:t> </a:t>
+            </a:r>
+            <a:r>
+              <a:rPr sz="2400" spc="5" dirty="0">
+                <a:solidFill>
+                  <a:srgbClr val="F05A28"/>
+                </a:solidFill>
+                <a:latin typeface="Verdana"/>
+                <a:cs typeface="Verdana"/>
+              </a:rPr>
+              <a:t>EventEmitter</a:t>
+            </a:r>
+            <a:endParaRPr sz="2400">
+              <a:latin typeface="Verdana"/>
+              <a:cs typeface="Verdana"/>
+            </a:endParaRPr>
+          </a:p>
+        </p:txBody>
+      </p:sp>
+      <p:sp>
+        <p:nvSpPr>
+          <p:cNvPr id="5" name="object 5"/>
+          <p:cNvSpPr txBox="1"/>
+          <p:nvPr/>
+        </p:nvSpPr>
+        <p:spPr>
+          <a:xfrm>
+            <a:off x="1301177" y="1922779"/>
+            <a:ext cx="2033905" cy="574040"/>
+          </a:xfrm>
+          <a:prstGeom prst="rect">
+            <a:avLst/>
+          </a:prstGeom>
+        </p:spPr>
+        <p:txBody>
+          <a:bodyPr vert="horz" wrap="square" lIns="0" tIns="12700" rIns="0" bIns="0" rtlCol="0">
+            <a:spAutoFit/>
+          </a:bodyPr>
+          <a:lstStyle/>
+          <a:p>
+            <a:pPr marL="12700">
+              <a:lnSpc>
+                <a:spcPct val="100000"/>
+              </a:lnSpc>
+              <a:spcBef>
+                <a:spcPts val="100"/>
+              </a:spcBef>
+            </a:pPr>
+            <a:r>
+              <a:rPr sz="3600" spc="25" dirty="0">
+                <a:solidFill>
+                  <a:srgbClr val="FFFFFF"/>
+                </a:solidFill>
+                <a:latin typeface="Verdana"/>
+                <a:cs typeface="Verdana"/>
+              </a:rPr>
+              <a:t>Wrap</a:t>
+            </a:r>
+            <a:r>
+              <a:rPr sz="3600" spc="-270" dirty="0">
+                <a:solidFill>
+                  <a:srgbClr val="FFFFFF"/>
+                </a:solidFill>
+                <a:latin typeface="Verdana"/>
+                <a:cs typeface="Verdana"/>
+              </a:rPr>
+              <a:t> </a:t>
+            </a:r>
+            <a:r>
+              <a:rPr sz="3600" spc="114" dirty="0">
+                <a:solidFill>
+                  <a:srgbClr val="FFFFFF"/>
+                </a:solidFill>
+                <a:latin typeface="Verdana"/>
+                <a:cs typeface="Verdana"/>
+              </a:rPr>
+              <a:t>Up</a:t>
+            </a:r>
+            <a:endParaRPr sz="3600">
+              <a:latin typeface="Verdana"/>
+              <a:cs typeface="Verdana"/>
+            </a:endParaRPr>
           </a:p>
         </p:txBody>
       </p:sp>
@@ -8259,7 +7912,7 @@
           </a:solidFill>
         </p:spPr>
         <p:txBody>
-          <a:bodyPr wrap="square" lIns="0" tIns="0" rIns="0" bIns="0" rtlCol="0" vert="horz">
+          <a:bodyPr vert="horz" wrap="square" lIns="0" tIns="0" rIns="0" bIns="0" rtlCol="0">
             <a:spAutoFit/>
           </a:bodyPr>
           <a:lstStyle/>
@@ -8298,7 +7951,7 @@
               </a:spcBef>
             </a:pPr>
             <a:r>
-              <a:rPr dirty="0" sz="2400" spc="15">
+              <a:rPr sz="2400" spc="15" dirty="0">
                 <a:solidFill>
                   <a:srgbClr val="404040"/>
                 </a:solidFill>
@@ -8308,7 +7961,7 @@
               <a:t>Concurrency </a:t>
             </a:r>
             <a:r>
-              <a:rPr dirty="0" sz="2400" spc="20">
+              <a:rPr sz="2400" spc="20" dirty="0">
                 <a:solidFill>
                   <a:srgbClr val="404040"/>
                 </a:solidFill>
@@ -8318,7 +7971,7 @@
               <a:t> </a:t>
             </a:r>
             <a:r>
-              <a:rPr dirty="0" sz="2400" spc="45">
+              <a:rPr sz="2400" spc="45" dirty="0">
                 <a:solidFill>
                   <a:srgbClr val="404040"/>
                 </a:solidFill>
@@ -8328,7 +7981,7 @@
               <a:t>(Without</a:t>
             </a:r>
             <a:r>
-              <a:rPr dirty="0" sz="2400" spc="-200">
+              <a:rPr sz="2400" spc="-200" dirty="0">
                 <a:solidFill>
                   <a:srgbClr val="404040"/>
                 </a:solidFill>
@@ -8338,7 +7991,7 @@
               <a:t> </a:t>
             </a:r>
             <a:r>
-              <a:rPr dirty="0" sz="2400" spc="15">
+              <a:rPr sz="2400" spc="15" dirty="0">
                 <a:solidFill>
                   <a:srgbClr val="404040"/>
                 </a:solidFill>
@@ -8373,7 +8026,7 @@
           </a:solidFill>
         </p:spPr>
         <p:txBody>
-          <a:bodyPr wrap="square" lIns="0" tIns="0" rIns="0" bIns="0" rtlCol="0" vert="horz">
+          <a:bodyPr vert="horz" wrap="square" lIns="0" tIns="0" rIns="0" bIns="0" rtlCol="0">
             <a:spAutoFit/>
           </a:bodyPr>
           <a:lstStyle/>
@@ -8412,7 +8065,7 @@
               </a:spcBef>
             </a:pPr>
             <a:r>
-              <a:rPr dirty="0" sz="2400" spc="35">
+              <a:rPr sz="2400" spc="35" dirty="0">
                 <a:solidFill>
                   <a:srgbClr val="404040"/>
                 </a:solidFill>
@@ -8422,7 +8075,7 @@
               <a:t>Modules </a:t>
             </a:r>
             <a:r>
-              <a:rPr dirty="0" sz="2400" spc="40">
+              <a:rPr sz="2400" spc="40" dirty="0">
                 <a:solidFill>
                   <a:srgbClr val="404040"/>
                 </a:solidFill>
@@ -8432,7 +8085,7 @@
               <a:t> </a:t>
             </a:r>
             <a:r>
-              <a:rPr dirty="0" sz="2400">
+              <a:rPr sz="2400" dirty="0">
                 <a:solidFill>
                   <a:srgbClr val="404040"/>
                 </a:solidFill>
@@ -8498,504 +8151,6 @@
       <p:sp>
         <p:nvSpPr>
           <p:cNvPr id="3" name="object 3"/>
-          <p:cNvSpPr txBox="1">
-            <a:spLocks noGrp="1"/>
-          </p:cNvSpPr>
-          <p:nvPr>
-            <p:ph type="title"/>
-          </p:nvPr>
-        </p:nvSpPr>
-        <p:spPr>
-          <a:xfrm>
-            <a:off x="5226048" y="737107"/>
-            <a:ext cx="2230120" cy="988694"/>
-          </a:xfrm>
-          <a:prstGeom prst="rect"/>
-        </p:spPr>
-        <p:txBody>
-          <a:bodyPr wrap="square" lIns="0" tIns="12700" rIns="0" bIns="0" rtlCol="0" vert="horz">
-            <a:spAutoFit/>
-          </a:bodyPr>
-          <a:lstStyle/>
-          <a:p>
-            <a:pPr marL="12700">
-              <a:lnSpc>
-                <a:spcPct val="100000"/>
-              </a:lnSpc>
-              <a:spcBef>
-                <a:spcPts val="100"/>
-              </a:spcBef>
-            </a:pPr>
-            <a:r>
-              <a:rPr dirty="0" sz="2400" spc="85">
-                <a:solidFill>
-                  <a:srgbClr val="F05A28"/>
-                </a:solidFill>
-              </a:rPr>
-              <a:t>Node</a:t>
-            </a:r>
-            <a:r>
-              <a:rPr dirty="0" sz="2400" spc="-204">
-                <a:solidFill>
-                  <a:srgbClr val="F05A28"/>
-                </a:solidFill>
-              </a:rPr>
-              <a:t> </a:t>
-            </a:r>
-            <a:r>
-              <a:rPr dirty="0" sz="2400" spc="35">
-                <a:solidFill>
-                  <a:srgbClr val="F05A28"/>
-                </a:solidFill>
-              </a:rPr>
-              <a:t>Modules</a:t>
-            </a:r>
-            <a:endParaRPr sz="2400"/>
-          </a:p>
-          <a:p>
-            <a:pPr marL="12700">
-              <a:lnSpc>
-                <a:spcPct val="100000"/>
-              </a:lnSpc>
-              <a:spcBef>
-                <a:spcPts val="1825"/>
-              </a:spcBef>
-            </a:pPr>
-            <a:r>
-              <a:rPr dirty="0" sz="2400" spc="-5">
-                <a:solidFill>
-                  <a:srgbClr val="F05A28"/>
-                </a:solidFill>
-              </a:rPr>
-              <a:t>Types</a:t>
-            </a:r>
-            <a:r>
-              <a:rPr dirty="0" sz="2400" spc="-145">
-                <a:solidFill>
-                  <a:srgbClr val="F05A28"/>
-                </a:solidFill>
-              </a:rPr>
-              <a:t> </a:t>
-            </a:r>
-            <a:r>
-              <a:rPr dirty="0" sz="2400" spc="85">
-                <a:solidFill>
-                  <a:srgbClr val="F05A28"/>
-                </a:solidFill>
-              </a:rPr>
-              <a:t>of</a:t>
-            </a:r>
-            <a:r>
-              <a:rPr dirty="0" sz="2400" spc="-150">
-                <a:solidFill>
-                  <a:srgbClr val="F05A28"/>
-                </a:solidFill>
-              </a:rPr>
-              <a:t> </a:t>
-            </a:r>
-            <a:r>
-              <a:rPr dirty="0" sz="2400" spc="25">
-                <a:solidFill>
-                  <a:srgbClr val="F05A28"/>
-                </a:solidFill>
-              </a:rPr>
-              <a:t>APIs</a:t>
-            </a:r>
-            <a:endParaRPr sz="2400"/>
-          </a:p>
-        </p:txBody>
-      </p:sp>
-      <p:sp>
-        <p:nvSpPr>
-          <p:cNvPr id="4" name="object 4"/>
-          <p:cNvSpPr txBox="1"/>
-          <p:nvPr/>
-        </p:nvSpPr>
-        <p:spPr>
-          <a:xfrm>
-            <a:off x="5226048" y="1931923"/>
-            <a:ext cx="3570604" cy="3362960"/>
-          </a:xfrm>
-          <a:prstGeom prst="rect">
-            <a:avLst/>
-          </a:prstGeom>
-        </p:spPr>
-        <p:txBody>
-          <a:bodyPr wrap="square" lIns="0" tIns="12700" rIns="0" bIns="0" rtlCol="0" vert="horz">
-            <a:spAutoFit/>
-          </a:bodyPr>
-          <a:lstStyle/>
-          <a:p>
-            <a:pPr marL="12700">
-              <a:lnSpc>
-                <a:spcPct val="100000"/>
-              </a:lnSpc>
-              <a:spcBef>
-                <a:spcPts val="100"/>
-              </a:spcBef>
-            </a:pPr>
-            <a:r>
-              <a:rPr dirty="0" sz="2400" spc="10">
-                <a:solidFill>
-                  <a:srgbClr val="F05A28"/>
-                </a:solidFill>
-                <a:latin typeface="Verdana"/>
-                <a:cs typeface="Verdana"/>
-              </a:rPr>
-              <a:t>The</a:t>
-            </a:r>
-            <a:r>
-              <a:rPr dirty="0" sz="2400" spc="-145">
-                <a:solidFill>
-                  <a:srgbClr val="F05A28"/>
-                </a:solidFill>
-                <a:latin typeface="Verdana"/>
-                <a:cs typeface="Verdana"/>
-              </a:rPr>
-              <a:t> </a:t>
-            </a:r>
-            <a:r>
-              <a:rPr dirty="0" sz="2400" spc="70">
-                <a:solidFill>
-                  <a:srgbClr val="F05A28"/>
-                </a:solidFill>
-                <a:latin typeface="Verdana"/>
-                <a:cs typeface="Verdana"/>
-              </a:rPr>
-              <a:t>“global”</a:t>
-            </a:r>
-            <a:r>
-              <a:rPr dirty="0" sz="2400" spc="-150">
-                <a:solidFill>
-                  <a:srgbClr val="F05A28"/>
-                </a:solidFill>
-                <a:latin typeface="Verdana"/>
-                <a:cs typeface="Verdana"/>
-              </a:rPr>
-              <a:t> </a:t>
-            </a:r>
-            <a:r>
-              <a:rPr dirty="0" sz="2400" spc="45">
-                <a:solidFill>
-                  <a:srgbClr val="F05A28"/>
-                </a:solidFill>
-                <a:latin typeface="Verdana"/>
-                <a:cs typeface="Verdana"/>
-              </a:rPr>
-              <a:t>Object</a:t>
-            </a:r>
-            <a:endParaRPr sz="2400">
-              <a:latin typeface="Verdana"/>
-              <a:cs typeface="Verdana"/>
-            </a:endParaRPr>
-          </a:p>
-          <a:p>
-            <a:pPr marL="12700" marR="831215">
-              <a:lnSpc>
-                <a:spcPts val="4680"/>
-              </a:lnSpc>
-              <a:spcBef>
-                <a:spcPts val="384"/>
-              </a:spcBef>
-            </a:pPr>
-            <a:r>
-              <a:rPr dirty="0" sz="2400" spc="10">
-                <a:solidFill>
-                  <a:srgbClr val="F05A28"/>
-                </a:solidFill>
-                <a:latin typeface="Verdana"/>
-                <a:cs typeface="Verdana"/>
-              </a:rPr>
-              <a:t>The</a:t>
-            </a:r>
-            <a:r>
-              <a:rPr dirty="0" sz="2400" spc="-150">
-                <a:solidFill>
-                  <a:srgbClr val="F05A28"/>
-                </a:solidFill>
-                <a:latin typeface="Verdana"/>
-                <a:cs typeface="Verdana"/>
-              </a:rPr>
-              <a:t> </a:t>
-            </a:r>
-            <a:r>
-              <a:rPr dirty="0" sz="2400" spc="15">
-                <a:solidFill>
-                  <a:srgbClr val="F05A28"/>
-                </a:solidFill>
-                <a:latin typeface="Verdana"/>
-                <a:cs typeface="Verdana"/>
-              </a:rPr>
-              <a:t>“Event</a:t>
-            </a:r>
-            <a:r>
-              <a:rPr dirty="0" sz="2400" spc="-145">
-                <a:solidFill>
-                  <a:srgbClr val="F05A28"/>
-                </a:solidFill>
-                <a:latin typeface="Verdana"/>
-                <a:cs typeface="Verdana"/>
-              </a:rPr>
-              <a:t> </a:t>
-            </a:r>
-            <a:r>
-              <a:rPr dirty="0" sz="2400" spc="110">
-                <a:solidFill>
-                  <a:srgbClr val="F05A28"/>
-                </a:solidFill>
-                <a:latin typeface="Verdana"/>
-                <a:cs typeface="Verdana"/>
-              </a:rPr>
-              <a:t>Loop” </a:t>
-            </a:r>
-            <a:r>
-              <a:rPr dirty="0" sz="2400" spc="-830">
-                <a:solidFill>
-                  <a:srgbClr val="F05A28"/>
-                </a:solidFill>
-                <a:latin typeface="Verdana"/>
-                <a:cs typeface="Verdana"/>
-              </a:rPr>
-              <a:t> </a:t>
-            </a:r>
-            <a:r>
-              <a:rPr dirty="0" sz="2400" spc="10">
-                <a:solidFill>
-                  <a:srgbClr val="F05A28"/>
-                </a:solidFill>
-                <a:latin typeface="Verdana"/>
-                <a:cs typeface="Verdana"/>
-              </a:rPr>
-              <a:t>Error</a:t>
-            </a:r>
-            <a:r>
-              <a:rPr dirty="0" sz="2400" spc="-140">
-                <a:solidFill>
-                  <a:srgbClr val="F05A28"/>
-                </a:solidFill>
-                <a:latin typeface="Verdana"/>
-                <a:cs typeface="Verdana"/>
-              </a:rPr>
-              <a:t> </a:t>
-            </a:r>
-            <a:r>
-              <a:rPr dirty="0" sz="2400" spc="15">
-                <a:solidFill>
-                  <a:srgbClr val="F05A28"/>
-                </a:solidFill>
-                <a:latin typeface="Verdana"/>
-                <a:cs typeface="Verdana"/>
-              </a:rPr>
-              <a:t>handling</a:t>
-            </a:r>
-            <a:endParaRPr sz="2400">
-              <a:latin typeface="Verdana"/>
-              <a:cs typeface="Verdana"/>
-            </a:endParaRPr>
-          </a:p>
-          <a:p>
-            <a:pPr marL="12700">
-              <a:lnSpc>
-                <a:spcPct val="100000"/>
-              </a:lnSpc>
-              <a:spcBef>
-                <a:spcPts val="1365"/>
-              </a:spcBef>
-            </a:pPr>
-            <a:r>
-              <a:rPr dirty="0" sz="2400" spc="-10">
-                <a:solidFill>
-                  <a:srgbClr val="F05A28"/>
-                </a:solidFill>
-                <a:latin typeface="Verdana"/>
-                <a:cs typeface="Verdana"/>
-              </a:rPr>
-              <a:t>Clusters</a:t>
-            </a:r>
-            <a:endParaRPr sz="2400">
-              <a:latin typeface="Verdana"/>
-              <a:cs typeface="Verdana"/>
-            </a:endParaRPr>
-          </a:p>
-          <a:p>
-            <a:pPr marL="12700" marR="5080">
-              <a:lnSpc>
-                <a:spcPct val="163300"/>
-              </a:lnSpc>
-            </a:pPr>
-            <a:r>
-              <a:rPr dirty="0" sz="2400" spc="15">
-                <a:solidFill>
-                  <a:srgbClr val="F05A28"/>
-                </a:solidFill>
-                <a:latin typeface="Verdana"/>
-                <a:cs typeface="Verdana"/>
-              </a:rPr>
-              <a:t>Asynchronous</a:t>
-            </a:r>
-            <a:r>
-              <a:rPr dirty="0" sz="2400" spc="-155">
-                <a:solidFill>
-                  <a:srgbClr val="F05A28"/>
-                </a:solidFill>
-                <a:latin typeface="Verdana"/>
-                <a:cs typeface="Verdana"/>
-              </a:rPr>
-              <a:t> </a:t>
-            </a:r>
-            <a:r>
-              <a:rPr dirty="0" sz="2400">
-                <a:solidFill>
-                  <a:srgbClr val="F05A28"/>
-                </a:solidFill>
-                <a:latin typeface="Verdana"/>
-                <a:cs typeface="Verdana"/>
-              </a:rPr>
-              <a:t>patterns </a:t>
-            </a:r>
-            <a:r>
-              <a:rPr dirty="0" sz="2400" spc="-825">
-                <a:solidFill>
-                  <a:srgbClr val="F05A28"/>
-                </a:solidFill>
-                <a:latin typeface="Verdana"/>
-                <a:cs typeface="Verdana"/>
-              </a:rPr>
-              <a:t> </a:t>
-            </a:r>
-            <a:r>
-              <a:rPr dirty="0" sz="2400" spc="5">
-                <a:solidFill>
-                  <a:srgbClr val="F05A28"/>
-                </a:solidFill>
-                <a:latin typeface="Verdana"/>
-                <a:cs typeface="Verdana"/>
-              </a:rPr>
-              <a:t>EventEmitter</a:t>
-            </a:r>
-            <a:endParaRPr sz="2400">
-              <a:latin typeface="Verdana"/>
-              <a:cs typeface="Verdana"/>
-            </a:endParaRPr>
-          </a:p>
-        </p:txBody>
-      </p:sp>
-      <p:sp>
-        <p:nvSpPr>
-          <p:cNvPr id="5" name="object 5"/>
-          <p:cNvSpPr txBox="1"/>
-          <p:nvPr/>
-        </p:nvSpPr>
-        <p:spPr>
-          <a:xfrm>
-            <a:off x="1301177" y="1922779"/>
-            <a:ext cx="2033905" cy="574040"/>
-          </a:xfrm>
-          <a:prstGeom prst="rect">
-            <a:avLst/>
-          </a:prstGeom>
-        </p:spPr>
-        <p:txBody>
-          <a:bodyPr wrap="square" lIns="0" tIns="12700" rIns="0" bIns="0" rtlCol="0" vert="horz">
-            <a:spAutoFit/>
-          </a:bodyPr>
-          <a:lstStyle/>
-          <a:p>
-            <a:pPr marL="12700">
-              <a:lnSpc>
-                <a:spcPct val="100000"/>
-              </a:lnSpc>
-              <a:spcBef>
-                <a:spcPts val="100"/>
-              </a:spcBef>
-            </a:pPr>
-            <a:r>
-              <a:rPr dirty="0" sz="3600" spc="25">
-                <a:solidFill>
-                  <a:srgbClr val="FFFFFF"/>
-                </a:solidFill>
-                <a:latin typeface="Verdana"/>
-                <a:cs typeface="Verdana"/>
-              </a:rPr>
-              <a:t>Wrap</a:t>
-            </a:r>
-            <a:r>
-              <a:rPr dirty="0" sz="3600" spc="-270">
-                <a:solidFill>
-                  <a:srgbClr val="FFFFFF"/>
-                </a:solidFill>
-                <a:latin typeface="Verdana"/>
-                <a:cs typeface="Verdana"/>
-              </a:rPr>
-              <a:t> </a:t>
-            </a:r>
-            <a:r>
-              <a:rPr dirty="0" sz="3600" spc="114">
-                <a:solidFill>
-                  <a:srgbClr val="FFFFFF"/>
-                </a:solidFill>
-                <a:latin typeface="Verdana"/>
-                <a:cs typeface="Verdana"/>
-              </a:rPr>
-              <a:t>Up</a:t>
-            </a:r>
-            <a:endParaRPr sz="3600">
-              <a:latin typeface="Verdana"/>
-              <a:cs typeface="Verdana"/>
-            </a:endParaRPr>
-          </a:p>
-        </p:txBody>
-      </p:sp>
-    </p:spTree>
-  </p:cSld>
-  <p:clrMapOvr>
-    <a:masterClrMapping/>
-  </p:clrMapOvr>
-</p:sld>
-</file>
-
-<file path=ppt/slides/slide21.xml><?xml version="1.0" encoding="utf-8"?>
-<p:sld xmlns:a="http://schemas.openxmlformats.org/drawingml/2006/main" xmlns:r="http://schemas.openxmlformats.org/officeDocument/2006/relationships" xmlns:p="http://schemas.openxmlformats.org/presentationml/2006/main">
-  <p:cSld>
-    <p:spTree>
-      <p:nvGrpSpPr>
-        <p:cNvPr id="1" name=""/>
-        <p:cNvGrpSpPr/>
-        <p:nvPr/>
-      </p:nvGrpSpPr>
-      <p:grpSpPr>
-        <a:xfrm>
-          <a:off x="0" y="0"/>
-          <a:ext cx="0" cy="0"/>
-          <a:chOff x="0" y="0"/>
-          <a:chExt cx="0" cy="0"/>
-        </a:xfrm>
-      </p:grpSpPr>
-      <p:pic>
-        <p:nvPicPr>
-          <p:cNvPr id="2" name="object 2"/>
-          <p:cNvPicPr/>
-          <p:nvPr/>
-        </p:nvPicPr>
-        <p:blipFill>
-          <a:blip r:embed="rId2" cstate="print"/>
-          <a:stretch>
-            <a:fillRect/>
-          </a:stretch>
-        </p:blipFill>
-        <p:spPr>
-          <a:xfrm>
-            <a:off x="0" y="0"/>
-            <a:ext cx="4635500" cy="6858000"/>
-          </a:xfrm>
-          <a:prstGeom prst="rect">
-            <a:avLst/>
-          </a:prstGeom>
-        </p:spPr>
-      </p:pic>
-      <p:sp>
-        <p:nvSpPr>
-          <p:cNvPr id="3" name="object 3"/>
           <p:cNvSpPr txBox="1"/>
           <p:nvPr/>
         </p:nvSpPr>
@@ -9009,7 +8164,7 @@
           </a:prstGeom>
         </p:spPr>
         <p:txBody>
-          <a:bodyPr wrap="square" lIns="0" tIns="12700" rIns="0" bIns="0" rtlCol="0" vert="horz">
+          <a:bodyPr vert="horz" wrap="square" lIns="0" tIns="12700" rIns="0" bIns="0" rtlCol="0">
             <a:spAutoFit/>
           </a:bodyPr>
           <a:lstStyle/>
@@ -9023,7 +8178,7 @@
               </a:spcBef>
             </a:pPr>
             <a:r>
-              <a:rPr dirty="0" sz="2350" spc="114">
+              <a:rPr sz="2350" spc="114" dirty="0">
                 <a:solidFill>
                   <a:srgbClr val="F05A28"/>
                 </a:solidFill>
@@ -9033,7 +8188,7 @@
               <a:t>Working</a:t>
             </a:r>
             <a:r>
-              <a:rPr dirty="0" sz="2350" spc="-45">
+              <a:rPr sz="2350" spc="-45" dirty="0">
                 <a:solidFill>
                   <a:srgbClr val="F05A28"/>
                 </a:solidFill>
@@ -9043,7 +8198,7 @@
               <a:t> </a:t>
             </a:r>
             <a:r>
-              <a:rPr dirty="0" sz="2350" spc="95">
+              <a:rPr sz="2350" spc="95" dirty="0">
                 <a:solidFill>
                   <a:srgbClr val="F05A28"/>
                 </a:solidFill>
@@ -9053,7 +8208,7 @@
               <a:t>with</a:t>
             </a:r>
             <a:r>
-              <a:rPr dirty="0" sz="2350" spc="-40">
+              <a:rPr sz="2350" spc="-40" dirty="0">
                 <a:solidFill>
                   <a:srgbClr val="F05A28"/>
                 </a:solidFill>
@@ -9063,7 +8218,7 @@
               <a:t> </a:t>
             </a:r>
             <a:r>
-              <a:rPr dirty="0" sz="2350" spc="160">
+              <a:rPr sz="2350" spc="160" dirty="0">
                 <a:solidFill>
                   <a:srgbClr val="F05A28"/>
                 </a:solidFill>
@@ -9073,7 +8228,7 @@
               <a:t>Web</a:t>
             </a:r>
             <a:r>
-              <a:rPr dirty="0" sz="2350" spc="-45">
+              <a:rPr sz="2350" spc="-45" dirty="0">
                 <a:solidFill>
                   <a:srgbClr val="F05A28"/>
                 </a:solidFill>
@@ -9083,7 +8238,7 @@
               <a:t> </a:t>
             </a:r>
             <a:r>
-              <a:rPr dirty="0" sz="2350" spc="30">
+              <a:rPr sz="2350" spc="30" dirty="0">
                 <a:solidFill>
                   <a:srgbClr val="F05A28"/>
                 </a:solidFill>
@@ -9115,7 +8270,7 @@
           </a:prstGeom>
         </p:spPr>
         <p:txBody>
-          <a:bodyPr wrap="square" lIns="0" tIns="12700" rIns="0" bIns="0" rtlCol="0" vert="horz">
+          <a:bodyPr vert="horz" wrap="square" lIns="0" tIns="12700" rIns="0" bIns="0" rtlCol="0">
             <a:spAutoFit/>
           </a:bodyPr>
           <a:lstStyle/>
@@ -9129,7 +8284,7 @@
               </a:spcBef>
             </a:pPr>
             <a:r>
-              <a:rPr dirty="0" sz="3600" spc="-15">
+              <a:rPr sz="3600" spc="-15" dirty="0">
                 <a:solidFill>
                   <a:srgbClr val="FFFFFF"/>
                 </a:solidFill>
@@ -9139,7 +8294,7 @@
               <a:t>Next</a:t>
             </a:r>
             <a:r>
-              <a:rPr dirty="0" sz="3600" spc="-280">
+              <a:rPr sz="3600" spc="-280" dirty="0">
                 <a:solidFill>
                   <a:srgbClr val="FFFFFF"/>
                 </a:solidFill>
@@ -9149,7 +8304,7 @@
               <a:t> </a:t>
             </a:r>
             <a:r>
-              <a:rPr dirty="0" sz="3600" spc="114">
+              <a:rPr sz="3600" spc="114" dirty="0">
                 <a:solidFill>
                   <a:srgbClr val="FFFFFF"/>
                 </a:solidFill>
@@ -9201,10 +8356,12 @@
           </p:nvPr>
         </p:nvSpPr>
         <p:spPr>
-          <a:prstGeom prst="rect"/>
+          <a:prstGeom prst="rect">
+            <a:avLst/>
+          </a:prstGeom>
         </p:spPr>
         <p:txBody>
-          <a:bodyPr wrap="square" lIns="0" tIns="12700" rIns="0" bIns="0" rtlCol="0" vert="horz">
+          <a:bodyPr vert="horz" wrap="square" lIns="0" tIns="12700" rIns="0" bIns="0" rtlCol="0">
             <a:spAutoFit/>
           </a:bodyPr>
           <a:lstStyle/>
@@ -9218,39 +8375,39 @@
               </a:spcBef>
             </a:pPr>
             <a:r>
-              <a:rPr dirty="0" spc="-5"/>
+              <a:rPr spc="-5" dirty="0"/>
               <a:t>Defining</a:t>
             </a:r>
             <a:r>
-              <a:rPr dirty="0" spc="-200"/>
+              <a:rPr spc="-200" dirty="0"/>
               <a:t> </a:t>
             </a:r>
             <a:r>
-              <a:rPr dirty="0" spc="-5"/>
+              <a:rPr spc="-5" dirty="0"/>
               <a:t>and</a:t>
             </a:r>
             <a:r>
-              <a:rPr dirty="0" spc="-200"/>
+              <a:rPr spc="-200" dirty="0"/>
               <a:t> </a:t>
             </a:r>
             <a:r>
-              <a:rPr dirty="0" spc="5"/>
+              <a:rPr spc="5" dirty="0"/>
               <a:t>Using</a:t>
             </a:r>
             <a:r>
-              <a:rPr dirty="0" spc="-200"/>
+              <a:rPr spc="-200" dirty="0"/>
               <a:t> </a:t>
             </a:r>
             <a:r>
-              <a:rPr dirty="0" spc="105"/>
+              <a:rPr spc="105" dirty="0"/>
               <a:t>Node</a:t>
             </a:r>
             <a:r>
-              <a:rPr dirty="0" spc="-200"/>
+              <a:rPr spc="-200" dirty="0"/>
               <a:t> </a:t>
             </a:r>
             <a:r>
-              <a:rPr dirty="0" spc="20"/>
+              <a:rPr spc="20" dirty="0"/>
               <a:t>Modules</a:t>
             </a:r>
           </a:p>
@@ -9326,31 +8483,11 @@
         <p:txBody>
           <a:bodyPr wrap="square" lIns="0" tIns="0" rIns="0" bIns="0" rtlCol="0"/>
           <a:lstStyle/>
-          <a:p/>
+          <a:p>
+            <a:endParaRPr/>
+          </a:p>
         </p:txBody>
       </p:sp>
-      <p:pic>
-        <p:nvPicPr>
-          <p:cNvPr id="3" name="object 3"/>
-          <p:cNvPicPr/>
-          <p:nvPr/>
-        </p:nvPicPr>
-        <p:blipFill>
-          <a:blip r:embed="rId2" cstate="print"/>
-          <a:stretch>
-            <a:fillRect/>
-          </a:stretch>
-        </p:blipFill>
-        <p:spPr>
-          <a:xfrm>
-            <a:off x="11494007" y="6184391"/>
-            <a:ext cx="454151" cy="451104"/>
-          </a:xfrm>
-          <a:prstGeom prst="rect">
-            <a:avLst/>
-          </a:prstGeom>
-        </p:spPr>
-      </p:pic>
       <p:sp>
         <p:nvSpPr>
           <p:cNvPr id="4" name="object 4"/>
@@ -9366,10 +8503,12 @@
             <a:off x="2323584" y="2965196"/>
             <a:ext cx="7477759" cy="756920"/>
           </a:xfrm>
-          <a:prstGeom prst="rect"/>
+          <a:prstGeom prst="rect">
+            <a:avLst/>
+          </a:prstGeom>
         </p:spPr>
         <p:txBody>
-          <a:bodyPr wrap="square" lIns="0" tIns="12700" rIns="0" bIns="0" rtlCol="0" vert="horz">
+          <a:bodyPr vert="horz" wrap="square" lIns="0" tIns="12700" rIns="0" bIns="0" rtlCol="0">
             <a:spAutoFit/>
           </a:bodyPr>
           <a:lstStyle/>
@@ -9383,7 +8522,7 @@
               </a:spcBef>
             </a:pPr>
             <a:r>
-              <a:rPr dirty="0" sz="4800" spc="105">
+              <a:rPr sz="4800" spc="105" dirty="0">
                 <a:solidFill>
                   <a:srgbClr val="FFFFFF"/>
                 </a:solidFill>
@@ -9391,7 +8530,7 @@
               <a:t>W</a:t>
             </a:r>
             <a:r>
-              <a:rPr dirty="0" sz="4800" spc="55">
+              <a:rPr sz="4800" spc="55" dirty="0">
                 <a:solidFill>
                   <a:srgbClr val="FFFFFF"/>
                 </a:solidFill>
@@ -9399,7 +8538,7 @@
               <a:t>h</a:t>
             </a:r>
             <a:r>
-              <a:rPr dirty="0" sz="4800" spc="-275">
+              <a:rPr sz="4800" spc="-275" dirty="0">
                 <a:solidFill>
                   <a:srgbClr val="FFFFFF"/>
                 </a:solidFill>
@@ -9407,7 +8546,7 @@
               <a:t>a</a:t>
             </a:r>
             <a:r>
-              <a:rPr dirty="0" sz="4800" spc="25">
+              <a:rPr sz="4800" spc="25" dirty="0">
                 <a:solidFill>
                   <a:srgbClr val="FFFFFF"/>
                 </a:solidFill>
@@ -9415,7 +8554,7 @@
               <a:t>t</a:t>
             </a:r>
             <a:r>
-              <a:rPr dirty="0" sz="4800" spc="-475">
+              <a:rPr sz="4800" spc="-475" dirty="0">
                 <a:solidFill>
                   <a:srgbClr val="FFFFFF"/>
                 </a:solidFill>
@@ -9423,7 +8562,7 @@
               <a:t> </a:t>
             </a:r>
             <a:r>
-              <a:rPr dirty="0" sz="4800" spc="-320">
+              <a:rPr sz="4800" spc="-320" dirty="0">
                 <a:solidFill>
                   <a:srgbClr val="FFFFFF"/>
                 </a:solidFill>
@@ -9431,7 +8570,7 @@
               <a:t>e</a:t>
             </a:r>
             <a:r>
-              <a:rPr dirty="0" sz="4800" spc="-290">
+              <a:rPr sz="4800" spc="-290" dirty="0">
                 <a:solidFill>
                   <a:srgbClr val="FFFFFF"/>
                 </a:solidFill>
@@ -9439,7 +8578,7 @@
               <a:t>x</a:t>
             </a:r>
             <a:r>
-              <a:rPr dirty="0" sz="4800" spc="-250">
+              <a:rPr sz="4800" spc="-250" dirty="0">
                 <a:solidFill>
                   <a:srgbClr val="FFFFFF"/>
                 </a:solidFill>
@@ -9447,7 +8586,7 @@
               <a:t>a</a:t>
             </a:r>
             <a:r>
-              <a:rPr dirty="0" sz="4800" spc="125">
+              <a:rPr sz="4800" spc="125" dirty="0">
                 <a:solidFill>
                   <a:srgbClr val="FFFFFF"/>
                 </a:solidFill>
@@ -9455,7 +8594,7 @@
               <a:t>c</a:t>
             </a:r>
             <a:r>
-              <a:rPr dirty="0" sz="4800" spc="-85">
+              <a:rPr sz="4800" spc="-85" dirty="0">
                 <a:solidFill>
                   <a:srgbClr val="FFFFFF"/>
                 </a:solidFill>
@@ -9463,7 +8602,7 @@
               <a:t>t</a:t>
             </a:r>
             <a:r>
-              <a:rPr dirty="0" sz="4800" spc="-235">
+              <a:rPr sz="4800" spc="-235" dirty="0">
                 <a:solidFill>
                   <a:srgbClr val="FFFFFF"/>
                 </a:solidFill>
@@ -9471,7 +8610,7 @@
               <a:t>l</a:t>
             </a:r>
             <a:r>
-              <a:rPr dirty="0" sz="4800" spc="-20">
+              <a:rPr sz="4800" spc="-20" dirty="0">
                 <a:solidFill>
                   <a:srgbClr val="FFFFFF"/>
                 </a:solidFill>
@@ -9479,7 +8618,7 @@
               <a:t>y</a:t>
             </a:r>
             <a:r>
-              <a:rPr dirty="0" sz="4800" spc="-475">
+              <a:rPr sz="4800" spc="-475" dirty="0">
                 <a:solidFill>
                   <a:srgbClr val="FFFFFF"/>
                 </a:solidFill>
@@ -9487,7 +8626,7 @@
               <a:t> </a:t>
             </a:r>
             <a:r>
-              <a:rPr dirty="0" sz="4800" spc="-235">
+              <a:rPr sz="4800" spc="-235" dirty="0">
                 <a:solidFill>
                   <a:srgbClr val="FFFFFF"/>
                 </a:solidFill>
@@ -9495,7 +8634,7 @@
               <a:t>i</a:t>
             </a:r>
             <a:r>
-              <a:rPr dirty="0" sz="4800" spc="-120">
+              <a:rPr sz="4800" spc="-120" dirty="0">
                 <a:solidFill>
                   <a:srgbClr val="FFFFFF"/>
                 </a:solidFill>
@@ -9503,7 +8642,7 @@
               <a:t>s</a:t>
             </a:r>
             <a:r>
-              <a:rPr dirty="0" sz="4800" spc="-475">
+              <a:rPr sz="4800" spc="-475" dirty="0">
                 <a:solidFill>
                   <a:srgbClr val="FFFFFF"/>
                 </a:solidFill>
@@ -9511,7 +8650,7 @@
               <a:t> </a:t>
             </a:r>
             <a:r>
-              <a:rPr dirty="0" sz="4800" spc="-130">
+              <a:rPr sz="4800" spc="-130" dirty="0">
                 <a:solidFill>
                   <a:srgbClr val="FFFFFF"/>
                 </a:solidFill>
@@ -9519,7 +8658,7 @@
               <a:t>a</a:t>
             </a:r>
             <a:r>
-              <a:rPr dirty="0" sz="4800" spc="-484">
+              <a:rPr sz="4800" spc="-484" dirty="0">
                 <a:solidFill>
                   <a:srgbClr val="FFFFFF"/>
                 </a:solidFill>
@@ -9527,7 +8666,7 @@
               <a:t> </a:t>
             </a:r>
             <a:r>
-              <a:rPr dirty="0" sz="4800" spc="5">
+              <a:rPr sz="4800" spc="5" dirty="0">
                 <a:solidFill>
                   <a:srgbClr val="FFFFFF"/>
                 </a:solidFill>
@@ -9535,7 +8674,7 @@
               <a:t>M</a:t>
             </a:r>
             <a:r>
-              <a:rPr dirty="0" sz="4800" spc="45">
+              <a:rPr sz="4800" spc="45" dirty="0">
                 <a:solidFill>
                   <a:srgbClr val="FFFFFF"/>
                 </a:solidFill>
@@ -9543,7 +8682,7 @@
               <a:t>o</a:t>
             </a:r>
             <a:r>
-              <a:rPr dirty="0" sz="4800" spc="55">
+              <a:rPr sz="4800" spc="55" dirty="0">
                 <a:solidFill>
                   <a:srgbClr val="FFFFFF"/>
                 </a:solidFill>
@@ -9551,7 +8690,7 @@
               <a:t>d</a:t>
             </a:r>
             <a:r>
-              <a:rPr dirty="0" sz="4800" spc="-220">
+              <a:rPr sz="4800" spc="-220" dirty="0">
                 <a:solidFill>
                   <a:srgbClr val="FFFFFF"/>
                 </a:solidFill>
@@ -9559,7 +8698,7 @@
               <a:t>u</a:t>
             </a:r>
             <a:r>
-              <a:rPr dirty="0" sz="4800" spc="-235">
+              <a:rPr sz="4800" spc="-235" dirty="0">
                 <a:solidFill>
                   <a:srgbClr val="FFFFFF"/>
                 </a:solidFill>
@@ -9567,7 +8706,7 @@
               <a:t>l</a:t>
             </a:r>
             <a:r>
-              <a:rPr dirty="0" sz="4800" spc="-370">
+              <a:rPr sz="4800" spc="-370" dirty="0">
                 <a:solidFill>
                   <a:srgbClr val="FFFFFF"/>
                 </a:solidFill>
@@ -9575,7 +8714,7 @@
               <a:t>e</a:t>
             </a:r>
             <a:r>
-              <a:rPr dirty="0" sz="4800" spc="-55">
+              <a:rPr sz="4800" spc="-55" dirty="0">
                 <a:solidFill>
                   <a:srgbClr val="FFFFFF"/>
                 </a:solidFill>
@@ -9627,7 +8766,7 @@
           </a:prstGeom>
         </p:spPr>
         <p:txBody>
-          <a:bodyPr wrap="square" lIns="0" tIns="12700" rIns="0" bIns="0" rtlCol="0" vert="horz">
+          <a:bodyPr vert="horz" wrap="square" lIns="0" tIns="12700" rIns="0" bIns="0" rtlCol="0">
             <a:spAutoFit/>
           </a:bodyPr>
           <a:lstStyle/>
@@ -9641,7 +8780,7 @@
               </a:spcBef>
             </a:pPr>
             <a:r>
-              <a:rPr dirty="0" sz="2800" spc="295">
+              <a:rPr sz="2800" spc="295" dirty="0">
                 <a:solidFill>
                   <a:srgbClr val="404040"/>
                 </a:solidFill>
@@ -9651,7 +8790,7 @@
               <a:t>A</a:t>
             </a:r>
             <a:r>
-              <a:rPr dirty="0" sz="2800" spc="-160">
+              <a:rPr sz="2800" spc="-160" dirty="0">
                 <a:solidFill>
                   <a:srgbClr val="404040"/>
                 </a:solidFill>
@@ -9661,7 +8800,7 @@
               <a:t> </a:t>
             </a:r>
             <a:r>
-              <a:rPr dirty="0" sz="2800" spc="-10">
+              <a:rPr sz="2800" spc="-10" dirty="0">
                 <a:solidFill>
                   <a:srgbClr val="404040"/>
                 </a:solidFill>
@@ -9671,7 +8810,7 @@
               <a:t>file</a:t>
             </a:r>
             <a:r>
-              <a:rPr dirty="0" sz="2800" spc="-150">
+              <a:rPr sz="2800" spc="-150" dirty="0">
                 <a:solidFill>
                   <a:srgbClr val="404040"/>
                 </a:solidFill>
@@ -9681,7 +8820,7 @@
               <a:t> </a:t>
             </a:r>
             <a:r>
-              <a:rPr dirty="0" sz="2800" spc="-5">
+              <a:rPr sz="2800" spc="-5" dirty="0">
                 <a:solidFill>
                   <a:srgbClr val="404040"/>
                 </a:solidFill>
@@ -9691,7 +8830,7 @@
               <a:t>(or</a:t>
             </a:r>
             <a:r>
-              <a:rPr dirty="0" sz="2800" spc="-150">
+              <a:rPr sz="2800" spc="-150" dirty="0">
                 <a:solidFill>
                   <a:srgbClr val="404040"/>
                 </a:solidFill>
@@ -9701,7 +8840,7 @@
               <a:t> </a:t>
             </a:r>
             <a:r>
-              <a:rPr dirty="0" sz="2800" spc="-65">
+              <a:rPr sz="2800" spc="-65" dirty="0">
                 <a:solidFill>
                   <a:srgbClr val="404040"/>
                 </a:solidFill>
@@ -9711,7 +8850,7 @@
               <a:t>a</a:t>
             </a:r>
             <a:r>
-              <a:rPr dirty="0" sz="2800" spc="-155">
+              <a:rPr sz="2800" spc="-155" dirty="0">
                 <a:solidFill>
                   <a:srgbClr val="404040"/>
                 </a:solidFill>
@@ -9721,7 +8860,7 @@
               <a:t> </a:t>
             </a:r>
             <a:r>
-              <a:rPr dirty="0" sz="2800" spc="10">
+              <a:rPr sz="2800" spc="10" dirty="0">
                 <a:solidFill>
                   <a:srgbClr val="404040"/>
                 </a:solidFill>
@@ -9731,7 +8870,7 @@
               <a:t>folder)</a:t>
             </a:r>
             <a:r>
-              <a:rPr dirty="0" sz="2800" spc="-155">
+              <a:rPr sz="2800" spc="-155" dirty="0">
                 <a:solidFill>
                   <a:srgbClr val="404040"/>
                 </a:solidFill>
@@ -9741,7 +8880,7 @@
               <a:t> </a:t>
             </a:r>
             <a:r>
-              <a:rPr dirty="0" sz="2800" spc="-20">
+              <a:rPr sz="2800" spc="-20" dirty="0">
                 <a:solidFill>
                   <a:srgbClr val="404040"/>
                 </a:solidFill>
@@ -9751,7 +8890,7 @@
               <a:t>that</a:t>
             </a:r>
             <a:r>
-              <a:rPr dirty="0" sz="2800" spc="-160">
+              <a:rPr sz="2800" spc="-160" dirty="0">
                 <a:solidFill>
                   <a:srgbClr val="404040"/>
                 </a:solidFill>
@@ -9761,7 +8900,7 @@
               <a:t> </a:t>
             </a:r>
             <a:r>
-              <a:rPr dirty="0" sz="2800" spc="-5">
+              <a:rPr sz="2800" spc="-5" dirty="0">
                 <a:solidFill>
                   <a:srgbClr val="404040"/>
                 </a:solidFill>
@@ -9771,7 +8910,7 @@
               <a:t>contains</a:t>
             </a:r>
             <a:r>
-              <a:rPr dirty="0" sz="2800" spc="-150">
+              <a:rPr sz="2800" spc="-150" dirty="0">
                 <a:solidFill>
                   <a:srgbClr val="404040"/>
                 </a:solidFill>
@@ -9781,7 +8920,7 @@
               <a:t> </a:t>
             </a:r>
             <a:r>
-              <a:rPr dirty="0" sz="2800" spc="75">
+              <a:rPr sz="2800" spc="75" dirty="0">
                 <a:solidFill>
                   <a:srgbClr val="404040"/>
                 </a:solidFill>
@@ -9813,7 +8952,7 @@
           </a:prstGeom>
         </p:spPr>
         <p:txBody>
-          <a:bodyPr wrap="square" lIns="0" tIns="12700" rIns="0" bIns="0" rtlCol="0" vert="horz">
+          <a:bodyPr vert="horz" wrap="square" lIns="0" tIns="12700" rIns="0" bIns="0" rtlCol="0">
             <a:spAutoFit/>
           </a:bodyPr>
           <a:lstStyle/>
@@ -9827,7 +8966,7 @@
               </a:spcBef>
             </a:pPr>
             <a:r>
-              <a:rPr dirty="0" sz="4800" spc="40">
+              <a:rPr sz="4800" spc="40" dirty="0">
                 <a:solidFill>
                   <a:srgbClr val="9BC850"/>
                 </a:solidFill>
@@ -9837,7 +8976,7 @@
               <a:t>M</a:t>
             </a:r>
             <a:r>
-              <a:rPr dirty="0" sz="4800">
+              <a:rPr sz="4800" dirty="0">
                 <a:solidFill>
                   <a:srgbClr val="9BC850"/>
                 </a:solidFill>
@@ -9847,7 +8986,7 @@
               <a:t>o</a:t>
             </a:r>
             <a:r>
-              <a:rPr dirty="0" sz="4800" spc="-140">
+              <a:rPr sz="4800" spc="-140" dirty="0">
                 <a:solidFill>
                   <a:srgbClr val="9BC850"/>
                 </a:solidFill>
@@ -9857,7 +8996,7 @@
               <a:t>du</a:t>
             </a:r>
             <a:r>
-              <a:rPr dirty="0" sz="4800" spc="-120">
+              <a:rPr sz="4800" spc="-120" dirty="0">
                 <a:solidFill>
                   <a:srgbClr val="9BC850"/>
                 </a:solidFill>
@@ -9867,7 +9006,7 @@
               <a:t>l</a:t>
             </a:r>
             <a:r>
-              <a:rPr dirty="0" sz="4800" spc="-60">
+              <a:rPr sz="4800" spc="-60" dirty="0">
                 <a:solidFill>
                   <a:srgbClr val="9BC850"/>
                 </a:solidFill>
@@ -9877,7 +9016,7 @@
               <a:t>e</a:t>
             </a:r>
             <a:r>
-              <a:rPr dirty="0" sz="4800" spc="-480">
+              <a:rPr sz="4800" spc="-480" dirty="0">
                 <a:solidFill>
                   <a:srgbClr val="9BC850"/>
                 </a:solidFill>
@@ -9887,7 +9026,7 @@
               <a:t> </a:t>
             </a:r>
             <a:r>
-              <a:rPr dirty="0" sz="4800" spc="-235">
+              <a:rPr sz="4800" spc="-235" dirty="0">
                 <a:solidFill>
                   <a:srgbClr val="9BC850"/>
                 </a:solidFill>
@@ -9897,7 +9036,7 @@
               <a:t>(</a:t>
             </a:r>
             <a:r>
-              <a:rPr dirty="0" sz="4800" spc="-440">
+              <a:rPr sz="4800" spc="-440" dirty="0">
                 <a:solidFill>
                   <a:srgbClr val="9BC850"/>
                 </a:solidFill>
@@ -9907,7 +9046,7 @@
               <a:t>I</a:t>
             </a:r>
             <a:r>
-              <a:rPr dirty="0" sz="4800" spc="-484">
+              <a:rPr sz="4800" spc="-484" dirty="0">
                 <a:solidFill>
                   <a:srgbClr val="9BC850"/>
                 </a:solidFill>
@@ -9917,7 +9056,7 @@
               <a:t>n</a:t>
             </a:r>
             <a:r>
-              <a:rPr dirty="0" sz="4800" spc="-480">
+              <a:rPr sz="4800" spc="-480" dirty="0">
                 <a:solidFill>
                   <a:srgbClr val="9BC850"/>
                 </a:solidFill>
@@ -9927,7 +9066,7 @@
               <a:t> </a:t>
             </a:r>
             <a:r>
-              <a:rPr dirty="0" sz="4800" spc="75">
+              <a:rPr sz="4800" spc="75" dirty="0">
                 <a:solidFill>
                   <a:srgbClr val="9BC850"/>
                 </a:solidFill>
@@ -9937,7 +9076,7 @@
               <a:t>N</a:t>
             </a:r>
             <a:r>
-              <a:rPr dirty="0" sz="4800" spc="45">
+              <a:rPr sz="4800" spc="45" dirty="0">
                 <a:solidFill>
                   <a:srgbClr val="9BC850"/>
                 </a:solidFill>
@@ -9947,7 +9086,7 @@
               <a:t>o</a:t>
             </a:r>
             <a:r>
-              <a:rPr dirty="0" sz="4800" spc="-60">
+              <a:rPr sz="4800" spc="-60" dirty="0">
                 <a:solidFill>
                   <a:srgbClr val="9BC850"/>
                 </a:solidFill>
@@ -9957,7 +9096,7 @@
               <a:t>d</a:t>
             </a:r>
             <a:r>
-              <a:rPr dirty="0" sz="4800" spc="-110">
+              <a:rPr sz="4800" spc="-110" dirty="0">
                 <a:solidFill>
                   <a:srgbClr val="9BC850"/>
                 </a:solidFill>
@@ -9967,7 +9106,7 @@
               <a:t>e</a:t>
             </a:r>
             <a:r>
-              <a:rPr dirty="0" sz="4800" spc="-685">
+              <a:rPr sz="4800" spc="-685" dirty="0">
                 <a:solidFill>
                   <a:srgbClr val="9BC850"/>
                 </a:solidFill>
@@ -9977,7 +9116,7 @@
               <a:t>.</a:t>
             </a:r>
             <a:r>
-              <a:rPr dirty="0" sz="4800" spc="-645">
+              <a:rPr sz="4800" spc="-645" dirty="0">
                 <a:solidFill>
                   <a:srgbClr val="9BC850"/>
                 </a:solidFill>
@@ -9987,7 +9126,7 @@
               <a:t>j</a:t>
             </a:r>
             <a:r>
-              <a:rPr dirty="0" sz="4800" spc="-330">
+              <a:rPr sz="4800" spc="-330" dirty="0">
                 <a:solidFill>
                   <a:srgbClr val="9BC850"/>
                 </a:solidFill>
@@ -9997,7 +9136,7 @@
               <a:t>s</a:t>
             </a:r>
             <a:r>
-              <a:rPr dirty="0" sz="4800" spc="-120">
+              <a:rPr sz="4800" spc="-120" dirty="0">
                 <a:solidFill>
                   <a:srgbClr val="9BC850"/>
                 </a:solidFill>
@@ -10049,10 +9188,12 @@
           </p:nvPr>
         </p:nvSpPr>
         <p:spPr>
-          <a:prstGeom prst="rect"/>
+          <a:prstGeom prst="rect">
+            <a:avLst/>
+          </a:prstGeom>
         </p:spPr>
         <p:txBody>
-          <a:bodyPr wrap="square" lIns="0" tIns="12700" rIns="0" bIns="0" rtlCol="0" vert="horz">
+          <a:bodyPr vert="horz" wrap="square" lIns="0" tIns="12700" rIns="0" bIns="0" rtlCol="0">
             <a:spAutoFit/>
           </a:bodyPr>
           <a:lstStyle/>
@@ -10066,23 +9207,23 @@
               </a:spcBef>
             </a:pPr>
             <a:r>
-              <a:rPr dirty="0" spc="40"/>
+              <a:rPr spc="40" dirty="0"/>
               <a:t>Node’s</a:t>
             </a:r>
             <a:r>
-              <a:rPr dirty="0" spc="-210"/>
+              <a:rPr spc="-210" dirty="0"/>
               <a:t> </a:t>
             </a:r>
             <a:r>
-              <a:rPr dirty="0" spc="20"/>
+              <a:rPr spc="20" dirty="0"/>
               <a:t>Global</a:t>
             </a:r>
             <a:r>
-              <a:rPr dirty="0" spc="-204"/>
+              <a:rPr spc="-204" dirty="0"/>
               <a:t> </a:t>
             </a:r>
             <a:r>
-              <a:rPr dirty="0" spc="40"/>
+              <a:rPr spc="40" dirty="0"/>
               <a:t>Object</a:t>
             </a:r>
           </a:p>
@@ -10158,31 +9299,11 @@
         <p:txBody>
           <a:bodyPr wrap="square" lIns="0" tIns="0" rIns="0" bIns="0" rtlCol="0"/>
           <a:lstStyle/>
-          <a:p/>
+          <a:p>
+            <a:endParaRPr/>
+          </a:p>
         </p:txBody>
       </p:sp>
-      <p:pic>
-        <p:nvPicPr>
-          <p:cNvPr id="3" name="object 3"/>
-          <p:cNvPicPr/>
-          <p:nvPr/>
-        </p:nvPicPr>
-        <p:blipFill>
-          <a:blip r:embed="rId2" cstate="print"/>
-          <a:stretch>
-            <a:fillRect/>
-          </a:stretch>
-        </p:blipFill>
-        <p:spPr>
-          <a:xfrm>
-            <a:off x="11494007" y="6184391"/>
-            <a:ext cx="454151" cy="451104"/>
-          </a:xfrm>
-          <a:prstGeom prst="rect">
-            <a:avLst/>
-          </a:prstGeom>
-        </p:spPr>
-      </p:pic>
       <p:sp>
         <p:nvSpPr>
           <p:cNvPr id="4" name="object 4"/>
@@ -10198,10 +9319,12 @@
             <a:off x="3772114" y="2965196"/>
             <a:ext cx="4584065" cy="756920"/>
           </a:xfrm>
-          <a:prstGeom prst="rect"/>
+          <a:prstGeom prst="rect">
+            <a:avLst/>
+          </a:prstGeom>
         </p:spPr>
         <p:txBody>
-          <a:bodyPr wrap="square" lIns="0" tIns="12700" rIns="0" bIns="0" rtlCol="0" vert="horz">
+          <a:bodyPr vert="horz" wrap="square" lIns="0" tIns="12700" rIns="0" bIns="0" rtlCol="0">
             <a:spAutoFit/>
           </a:bodyPr>
           <a:lstStyle/>
@@ -10215,7 +9338,7 @@
               </a:spcBef>
             </a:pPr>
             <a:r>
-              <a:rPr dirty="0" sz="4800" spc="-185">
+              <a:rPr sz="4800" spc="-185" dirty="0">
                 <a:solidFill>
                   <a:srgbClr val="FFFFFF"/>
                 </a:solidFill>
@@ -10223,7 +9346,7 @@
               <a:t>T</a:t>
             </a:r>
             <a:r>
-              <a:rPr dirty="0" sz="4800" spc="-90">
+              <a:rPr sz="4800" spc="-90" dirty="0">
                 <a:solidFill>
                   <a:srgbClr val="FFFFFF"/>
                 </a:solidFill>
@@ -10231,7 +9354,7 @@
               <a:t>h</a:t>
             </a:r>
             <a:r>
-              <a:rPr dirty="0" sz="4800" spc="-60">
+              <a:rPr sz="4800" spc="-60" dirty="0">
                 <a:solidFill>
                   <a:srgbClr val="FFFFFF"/>
                 </a:solidFill>
@@ -10239,7 +9362,7 @@
               <a:t>e</a:t>
             </a:r>
             <a:r>
-              <a:rPr dirty="0" sz="4800" spc="-480">
+              <a:rPr sz="4800" spc="-480" dirty="0">
                 <a:solidFill>
                   <a:srgbClr val="FFFFFF"/>
                 </a:solidFill>
@@ -10247,7 +9370,7 @@
               <a:t> </a:t>
             </a:r>
             <a:r>
-              <a:rPr dirty="0" sz="4800" spc="15">
+              <a:rPr sz="4800" spc="15" dirty="0">
                 <a:solidFill>
                   <a:srgbClr val="FFFFFF"/>
                 </a:solidFill>
@@ -10255,7 +9378,7 @@
               <a:t>E</a:t>
             </a:r>
             <a:r>
-              <a:rPr dirty="0" sz="4800" spc="-315">
+              <a:rPr sz="4800" spc="-315" dirty="0">
                 <a:solidFill>
                   <a:srgbClr val="FFFFFF"/>
                 </a:solidFill>
@@ -10263,7 +9386,7 @@
               <a:t>v</a:t>
             </a:r>
             <a:r>
-              <a:rPr dirty="0" sz="4800" spc="-175">
+              <a:rPr sz="4800" spc="-175" dirty="0">
                 <a:solidFill>
                   <a:srgbClr val="FFFFFF"/>
                 </a:solidFill>
@@ -10271,7 +9394,7 @@
               <a:t>e</a:t>
             </a:r>
             <a:r>
-              <a:rPr dirty="0" sz="4800" spc="-215">
+              <a:rPr sz="4800" spc="-215" dirty="0">
                 <a:solidFill>
                   <a:srgbClr val="FFFFFF"/>
                 </a:solidFill>
@@ -10279,7 +9402,7 @@
               <a:t>n</a:t>
             </a:r>
             <a:r>
-              <a:rPr dirty="0" sz="4800" spc="25">
+              <a:rPr sz="4800" spc="25" dirty="0">
                 <a:solidFill>
                   <a:srgbClr val="FFFFFF"/>
                 </a:solidFill>
@@ -10287,7 +9410,7 @@
               <a:t>t</a:t>
             </a:r>
             <a:r>
-              <a:rPr dirty="0" sz="4800" spc="-470">
+              <a:rPr sz="4800" spc="-470" dirty="0">
                 <a:solidFill>
                   <a:srgbClr val="FFFFFF"/>
                 </a:solidFill>
@@ -10295,7 +9418,7 @@
               <a:t> </a:t>
             </a:r>
             <a:r>
-              <a:rPr dirty="0" sz="4800" spc="135">
+              <a:rPr sz="4800" spc="135" dirty="0">
                 <a:solidFill>
                   <a:srgbClr val="FFFFFF"/>
                 </a:solidFill>
@@ -10303,7 +9426,7 @@
               <a:t>L</a:t>
             </a:r>
             <a:r>
-              <a:rPr dirty="0" sz="4800" spc="45">
+              <a:rPr sz="4800" spc="45" dirty="0">
                 <a:solidFill>
                   <a:srgbClr val="FFFFFF"/>
                 </a:solidFill>
@@ -10311,7 +9434,7 @@
               <a:t>oo</a:t>
             </a:r>
             <a:r>
-              <a:rPr dirty="0" sz="4800" spc="175">
+              <a:rPr sz="4800" spc="175" dirty="0">
                 <a:solidFill>
                   <a:srgbClr val="FFFFFF"/>
                 </a:solidFill>
@@ -10363,7 +9486,7 @@
           </a:prstGeom>
         </p:spPr>
         <p:txBody>
-          <a:bodyPr wrap="square" lIns="0" tIns="13970" rIns="0" bIns="0" rtlCol="0" vert="horz">
+          <a:bodyPr vert="horz" wrap="square" lIns="0" tIns="13970" rIns="0" bIns="0" rtlCol="0">
             <a:spAutoFit/>
           </a:bodyPr>
           <a:lstStyle/>
@@ -10377,7 +9500,7 @@
               </a:spcBef>
             </a:pPr>
             <a:r>
-              <a:rPr dirty="0" sz="2800" spc="50">
+              <a:rPr sz="2800" spc="50" dirty="0">
                 <a:solidFill>
                   <a:srgbClr val="404040"/>
                 </a:solidFill>
@@ -10387,7 +9510,7 @@
               <a:t>What</a:t>
             </a:r>
             <a:r>
-              <a:rPr dirty="0" sz="2800" spc="-155">
+              <a:rPr sz="2800" spc="-155" dirty="0">
                 <a:solidFill>
                   <a:srgbClr val="404040"/>
                 </a:solidFill>
@@ -10397,7 +9520,7 @@
               <a:t> </a:t>
             </a:r>
             <a:r>
-              <a:rPr dirty="0" sz="2800" spc="80">
+              <a:rPr sz="2800" spc="80" dirty="0">
                 <a:solidFill>
                   <a:srgbClr val="404040"/>
                 </a:solidFill>
@@ -10407,7 +9530,7 @@
               <a:t>Node</a:t>
             </a:r>
             <a:r>
-              <a:rPr dirty="0" sz="2800" spc="-145">
+              <a:rPr sz="2800" spc="-145" dirty="0">
                 <a:solidFill>
                   <a:srgbClr val="404040"/>
                 </a:solidFill>
@@ -10417,7 +9540,7 @@
               <a:t> </a:t>
             </a:r>
             <a:r>
-              <a:rPr dirty="0" sz="2800" spc="-45">
+              <a:rPr sz="2800" spc="-45" dirty="0">
                 <a:solidFill>
                   <a:srgbClr val="404040"/>
                 </a:solidFill>
@@ -10427,7 +9550,7 @@
               <a:t>uses</a:t>
             </a:r>
             <a:r>
-              <a:rPr dirty="0" sz="2800" spc="-140">
+              <a:rPr sz="2800" spc="-140" dirty="0">
                 <a:solidFill>
                   <a:srgbClr val="404040"/>
                 </a:solidFill>
@@ -10437,7 +9560,7 @@
               <a:t> </a:t>
             </a:r>
             <a:r>
-              <a:rPr dirty="0" sz="2800" spc="40">
+              <a:rPr sz="2800" spc="40" dirty="0">
                 <a:solidFill>
                   <a:srgbClr val="404040"/>
                 </a:solidFill>
@@ -10447,7 +9570,7 @@
               <a:t>to</a:t>
             </a:r>
             <a:r>
-              <a:rPr dirty="0" sz="2800" spc="-145">
+              <a:rPr sz="2800" spc="-145" dirty="0">
                 <a:solidFill>
                   <a:srgbClr val="404040"/>
                 </a:solidFill>
@@ -10457,7 +9580,7 @@
               <a:t> </a:t>
             </a:r>
             <a:r>
-              <a:rPr dirty="0" sz="2800" spc="5">
+              <a:rPr sz="2800" spc="5" dirty="0">
                 <a:solidFill>
                   <a:srgbClr val="404040"/>
                 </a:solidFill>
@@ -10467,7 +9590,7 @@
               <a:t>process</a:t>
             </a:r>
             <a:r>
-              <a:rPr dirty="0" sz="2800" spc="-140">
+              <a:rPr sz="2800" spc="-140" dirty="0">
                 <a:solidFill>
                   <a:srgbClr val="404040"/>
                 </a:solidFill>
@@ -10477,7 +9600,7 @@
               <a:t> </a:t>
             </a:r>
             <a:r>
-              <a:rPr dirty="0" sz="2800" spc="-20">
+              <a:rPr sz="2800" spc="-20" dirty="0">
                 <a:solidFill>
                   <a:srgbClr val="404040"/>
                 </a:solidFill>
@@ -10487,7 +9610,7 @@
               <a:t>asynchronous</a:t>
             </a:r>
             <a:r>
-              <a:rPr dirty="0" sz="2800" spc="-145">
+              <a:rPr sz="2800" spc="-145" dirty="0">
                 <a:solidFill>
                   <a:srgbClr val="404040"/>
                 </a:solidFill>
@@ -10497,7 +9620,7 @@
               <a:t> </a:t>
             </a:r>
             <a:r>
-              <a:rPr dirty="0" sz="2800" spc="5">
+              <a:rPr sz="2800" spc="5" dirty="0">
                 <a:solidFill>
                   <a:srgbClr val="404040"/>
                 </a:solidFill>
@@ -10507,7 +9630,7 @@
               <a:t>actions</a:t>
             </a:r>
             <a:r>
-              <a:rPr dirty="0" sz="2800" spc="-140">
+              <a:rPr sz="2800" spc="-140" dirty="0">
                 <a:solidFill>
                   <a:srgbClr val="404040"/>
                 </a:solidFill>
@@ -10517,7 +9640,7 @@
               <a:t> </a:t>
             </a:r>
             <a:r>
-              <a:rPr dirty="0" sz="2800">
+              <a:rPr sz="2800" dirty="0">
                 <a:solidFill>
                   <a:srgbClr val="404040"/>
                 </a:solidFill>
@@ -10527,7 +9650,7 @@
               <a:t>and </a:t>
             </a:r>
             <a:r>
-              <a:rPr dirty="0" sz="2800" spc="-969">
+              <a:rPr sz="2800" spc="-969" dirty="0">
                 <a:solidFill>
                   <a:srgbClr val="404040"/>
                 </a:solidFill>
@@ -10537,7 +9660,7 @@
               <a:t> </a:t>
             </a:r>
             <a:r>
-              <a:rPr dirty="0" sz="2800" spc="-20">
+              <a:rPr sz="2800" spc="-20" dirty="0">
                 <a:solidFill>
                   <a:srgbClr val="404040"/>
                 </a:solidFill>
@@ -10547,7 +9670,7 @@
               <a:t>interface </a:t>
             </a:r>
             <a:r>
-              <a:rPr dirty="0" sz="2800" spc="-30">
+              <a:rPr sz="2800" spc="-30" dirty="0">
                 <a:solidFill>
                   <a:srgbClr val="404040"/>
                 </a:solidFill>
@@ -10557,7 +9680,7 @@
               <a:t>them </a:t>
             </a:r>
             <a:r>
-              <a:rPr dirty="0" sz="2800" spc="20">
+              <a:rPr sz="2800" spc="20" dirty="0">
                 <a:solidFill>
                   <a:srgbClr val="404040"/>
                 </a:solidFill>
@@ -10567,7 +9690,7 @@
               <a:t>for </a:t>
             </a:r>
             <a:r>
-              <a:rPr dirty="0" sz="2800" spc="-10">
+              <a:rPr sz="2800" spc="-10" dirty="0">
                 <a:solidFill>
                   <a:srgbClr val="404040"/>
                 </a:solidFill>
@@ -10577,7 +9700,7 @@
               <a:t>you </a:t>
             </a:r>
             <a:r>
-              <a:rPr dirty="0" sz="2800" spc="25">
+              <a:rPr sz="2800" spc="25" dirty="0">
                 <a:solidFill>
                   <a:srgbClr val="404040"/>
                 </a:solidFill>
@@ -10587,7 +9710,7 @@
               <a:t>so </a:t>
             </a:r>
             <a:r>
-              <a:rPr dirty="0" sz="2800" spc="-20">
+              <a:rPr sz="2800" spc="-20" dirty="0">
                 <a:solidFill>
                   <a:srgbClr val="404040"/>
                 </a:solidFill>
@@ -10597,7 +9720,7 @@
               <a:t>that </a:t>
             </a:r>
             <a:r>
-              <a:rPr dirty="0" sz="2800" spc="-10">
+              <a:rPr sz="2800" spc="-10" dirty="0">
                 <a:solidFill>
                   <a:srgbClr val="404040"/>
                 </a:solidFill>
@@ -10607,7 +9730,7 @@
               <a:t>you </a:t>
             </a:r>
             <a:r>
-              <a:rPr dirty="0" sz="2800" spc="25">
+              <a:rPr sz="2800" spc="25" dirty="0">
                 <a:solidFill>
                   <a:srgbClr val="404040"/>
                 </a:solidFill>
@@ -10617,7 +9740,7 @@
               <a:t>don’t </a:t>
             </a:r>
             <a:r>
-              <a:rPr dirty="0" sz="2800" spc="-75">
+              <a:rPr sz="2800" spc="-75" dirty="0">
                 <a:solidFill>
                   <a:srgbClr val="404040"/>
                 </a:solidFill>
@@ -10627,7 +9750,7 @@
               <a:t>have </a:t>
             </a:r>
             <a:r>
-              <a:rPr dirty="0" sz="2800" spc="40">
+              <a:rPr sz="2800" spc="40" dirty="0">
                 <a:solidFill>
                   <a:srgbClr val="404040"/>
                 </a:solidFill>
@@ -10637,7 +9760,7 @@
               <a:t>to </a:t>
             </a:r>
             <a:r>
-              <a:rPr dirty="0" sz="2800">
+              <a:rPr sz="2800" dirty="0">
                 <a:solidFill>
                   <a:srgbClr val="404040"/>
                 </a:solidFill>
@@ -10647,7 +9770,7 @@
               <a:t>deal </a:t>
             </a:r>
             <a:r>
-              <a:rPr dirty="0" sz="2800" spc="-969">
+              <a:rPr sz="2800" spc="-969" dirty="0">
                 <a:solidFill>
                   <a:srgbClr val="404040"/>
                 </a:solidFill>
@@ -10657,7 +9780,7 @@
               <a:t> </a:t>
             </a:r>
             <a:r>
-              <a:rPr dirty="0" sz="2800" spc="10">
+              <a:rPr sz="2800" spc="10" dirty="0">
                 <a:solidFill>
                   <a:srgbClr val="404040"/>
                 </a:solidFill>
@@ -10667,7 +9790,7 @@
               <a:t>with</a:t>
             </a:r>
             <a:r>
-              <a:rPr dirty="0" sz="2800" spc="-155">
+              <a:rPr sz="2800" spc="-155" dirty="0">
                 <a:solidFill>
                   <a:srgbClr val="404040"/>
                 </a:solidFill>
@@ -10677,7 +9800,7 @@
               <a:t> </a:t>
             </a:r>
             <a:r>
-              <a:rPr dirty="0" sz="2800" spc="-30">
+              <a:rPr sz="2800" spc="-30" dirty="0">
                 <a:solidFill>
                   <a:srgbClr val="404040"/>
                 </a:solidFill>
@@ -10709,7 +9832,7 @@
           </a:prstGeom>
         </p:spPr>
         <p:txBody>
-          <a:bodyPr wrap="square" lIns="0" tIns="12700" rIns="0" bIns="0" rtlCol="0" vert="horz">
+          <a:bodyPr vert="horz" wrap="square" lIns="0" tIns="12700" rIns="0" bIns="0" rtlCol="0">
             <a:spAutoFit/>
           </a:bodyPr>
           <a:lstStyle/>
@@ -10723,7 +9846,7 @@
               </a:spcBef>
             </a:pPr>
             <a:r>
-              <a:rPr dirty="0" sz="4800" spc="-185">
+              <a:rPr sz="4800" spc="-185" dirty="0">
                 <a:solidFill>
                   <a:srgbClr val="9BC850"/>
                 </a:solidFill>
@@ -10733,7 +9856,7 @@
               <a:t>T</a:t>
             </a:r>
             <a:r>
-              <a:rPr dirty="0" sz="4800" spc="-90">
+              <a:rPr sz="4800" spc="-90" dirty="0">
                 <a:solidFill>
                   <a:srgbClr val="9BC850"/>
                 </a:solidFill>
@@ -10743,7 +9866,7 @@
               <a:t>h</a:t>
             </a:r>
             <a:r>
-              <a:rPr dirty="0" sz="4800" spc="-60">
+              <a:rPr sz="4800" spc="-60" dirty="0">
                 <a:solidFill>
                   <a:srgbClr val="9BC850"/>
                 </a:solidFill>
@@ -10753,7 +9876,7 @@
               <a:t>e</a:t>
             </a:r>
             <a:r>
-              <a:rPr dirty="0" sz="4800" spc="-480">
+              <a:rPr sz="4800" spc="-480" dirty="0">
                 <a:solidFill>
                   <a:srgbClr val="9BC850"/>
                 </a:solidFill>
@@ -10763,7 +9886,7 @@
               <a:t> </a:t>
             </a:r>
             <a:r>
-              <a:rPr dirty="0" sz="4800" spc="15">
+              <a:rPr sz="4800" spc="15" dirty="0">
                 <a:solidFill>
                   <a:srgbClr val="9BC850"/>
                 </a:solidFill>
@@ -10773,7 +9896,7 @@
               <a:t>E</a:t>
             </a:r>
             <a:r>
-              <a:rPr dirty="0" sz="4800" spc="-315">
+              <a:rPr sz="4800" spc="-315" dirty="0">
                 <a:solidFill>
                   <a:srgbClr val="9BC850"/>
                 </a:solidFill>
@@ -10783,7 +9906,7 @@
               <a:t>v</a:t>
             </a:r>
             <a:r>
-              <a:rPr dirty="0" sz="4800" spc="-175">
+              <a:rPr sz="4800" spc="-175" dirty="0">
                 <a:solidFill>
                   <a:srgbClr val="9BC850"/>
                 </a:solidFill>
@@ -10793,7 +9916,7 @@
               <a:t>e</a:t>
             </a:r>
             <a:r>
-              <a:rPr dirty="0" sz="4800" spc="-215">
+              <a:rPr sz="4800" spc="-215" dirty="0">
                 <a:solidFill>
                   <a:srgbClr val="9BC850"/>
                 </a:solidFill>
@@ -10803,7 +9926,7 @@
               <a:t>n</a:t>
             </a:r>
             <a:r>
-              <a:rPr dirty="0" sz="4800" spc="25">
+              <a:rPr sz="4800" spc="25" dirty="0">
                 <a:solidFill>
                   <a:srgbClr val="9BC850"/>
                 </a:solidFill>
@@ -10813,7 +9936,7 @@
               <a:t>t</a:t>
             </a:r>
             <a:r>
-              <a:rPr dirty="0" sz="4800" spc="-470">
+              <a:rPr sz="4800" spc="-470" dirty="0">
                 <a:solidFill>
                   <a:srgbClr val="9BC850"/>
                 </a:solidFill>
@@ -10823,7 +9946,7 @@
               <a:t> </a:t>
             </a:r>
             <a:r>
-              <a:rPr dirty="0" sz="4800" spc="135">
+              <a:rPr sz="4800" spc="135" dirty="0">
                 <a:solidFill>
                   <a:srgbClr val="9BC850"/>
                 </a:solidFill>
@@ -10833,7 +9956,7 @@
               <a:t>L</a:t>
             </a:r>
             <a:r>
-              <a:rPr dirty="0" sz="4800" spc="45">
+              <a:rPr sz="4800" spc="45" dirty="0">
                 <a:solidFill>
                   <a:srgbClr val="9BC850"/>
                 </a:solidFill>
@@ -10843,7 +9966,7 @@
               <a:t>oo</a:t>
             </a:r>
             <a:r>
-              <a:rPr dirty="0" sz="4800" spc="175">
+              <a:rPr sz="4800" spc="175" dirty="0">
                 <a:solidFill>
                   <a:srgbClr val="9BC850"/>
                 </a:solidFill>
@@ -10899,10 +10022,12 @@
             <a:off x="6757534" y="2718308"/>
             <a:ext cx="4647565" cy="574040"/>
           </a:xfrm>
-          <a:prstGeom prst="rect"/>
+          <a:prstGeom prst="rect">
+            <a:avLst/>
+          </a:prstGeom>
         </p:spPr>
         <p:txBody>
-          <a:bodyPr wrap="square" lIns="0" tIns="12700" rIns="0" bIns="0" rtlCol="0" vert="horz">
+          <a:bodyPr vert="horz" wrap="square" lIns="0" tIns="12700" rIns="0" bIns="0" rtlCol="0">
             <a:spAutoFit/>
           </a:bodyPr>
           <a:lstStyle/>
@@ -10916,75 +10041,75 @@
               </a:spcBef>
             </a:pPr>
             <a:r>
-              <a:rPr dirty="0" spc="25"/>
+              <a:rPr spc="25" dirty="0"/>
               <a:t>Er</a:t>
             </a:r>
             <a:r>
-              <a:rPr dirty="0" spc="-160"/>
+              <a:rPr spc="-160" dirty="0"/>
               <a:t>r</a:t>
             </a:r>
             <a:r>
-              <a:rPr dirty="0" spc="30"/>
+              <a:rPr spc="30" dirty="0"/>
               <a:t>or</a:t>
             </a:r>
             <a:r>
-              <a:rPr dirty="0" spc="-85"/>
+              <a:rPr spc="-85" dirty="0"/>
               <a:t>s</a:t>
             </a:r>
             <a:r>
-              <a:rPr dirty="0" spc="-200"/>
+              <a:rPr spc="-200" dirty="0"/>
               <a:t> </a:t>
             </a:r>
             <a:r>
-              <a:rPr dirty="0" spc="-95"/>
+              <a:rPr spc="-95" dirty="0"/>
               <a:t>v</a:t>
             </a:r>
             <a:r>
-              <a:rPr dirty="0" spc="-85"/>
+              <a:rPr spc="-85" dirty="0"/>
               <a:t>s</a:t>
             </a:r>
             <a:r>
-              <a:rPr dirty="0" spc="-200"/>
+              <a:rPr spc="-200" dirty="0"/>
               <a:t> </a:t>
             </a:r>
             <a:r>
-              <a:rPr dirty="0" spc="135"/>
+              <a:rPr spc="135" dirty="0"/>
               <a:t>E</a:t>
             </a:r>
             <a:r>
-              <a:rPr dirty="0" spc="-195"/>
+              <a:rPr spc="-195" dirty="0"/>
               <a:t>x</a:t>
             </a:r>
             <a:r>
-              <a:rPr dirty="0" spc="114"/>
+              <a:rPr spc="114" dirty="0"/>
               <a:t>c</a:t>
             </a:r>
             <a:r>
-              <a:rPr dirty="0" spc="-25"/>
+              <a:rPr spc="-25" dirty="0"/>
               <a:t>e</a:t>
             </a:r>
             <a:r>
-              <a:rPr dirty="0" spc="140"/>
+              <a:rPr spc="140" dirty="0"/>
               <a:t>p</a:t>
             </a:r>
             <a:r>
-              <a:rPr dirty="0" spc="30"/>
+              <a:rPr spc="30" dirty="0"/>
               <a:t>t</a:t>
             </a:r>
             <a:r>
-              <a:rPr dirty="0" spc="-45"/>
+              <a:rPr spc="-45" dirty="0"/>
               <a:t>i</a:t>
             </a:r>
             <a:r>
-              <a:rPr dirty="0" spc="35"/>
+              <a:rPr spc="35" dirty="0"/>
               <a:t>o</a:t>
             </a:r>
             <a:r>
-              <a:rPr dirty="0" spc="30"/>
+              <a:rPr spc="30" dirty="0"/>
               <a:t>n</a:t>
             </a:r>
             <a:r>
-              <a:rPr dirty="0" spc="-85"/>
+              <a:rPr spc="-85" dirty="0"/>
               <a:t>s</a:t>
             </a:r>
           </a:p>
